--- a/week6_assignment.pptx
+++ b/week6_assignment.pptx
@@ -110,6 +110,11 @@
       </a:defRPr>
     </a:lvl9pPr>
   </p:defaultTextStyle>
+  <p:extLst>
+    <p:ext uri="{EFAFB233-063F-42B5-8137-9DF3F51BA10A}">
+      <p15:sldGuideLst xmlns:p15="http://schemas.microsoft.com/office/powerpoint/2012/main"/>
+    </p:ext>
+  </p:extLst>
 </p:presentation>
 </file>
 
@@ -3579,6 +3584,294 @@
           </a:prstGeom>
         </p:spPr>
       </p:pic>
+      <p:sp>
+        <p:nvSpPr>
+          <p:cNvPr id="2" name="TextBox 1">
+            <a:extLst>
+              <a:ext uri="{FF2B5EF4-FFF2-40B4-BE49-F238E27FC236}">
+                <a16:creationId xmlns:a16="http://schemas.microsoft.com/office/drawing/2014/main" id="{EB184EE1-391A-45AB-94FA-9280AAFD195F}"/>
+              </a:ext>
+            </a:extLst>
+          </p:cNvPr>
+          <p:cNvSpPr txBox="1"/>
+          <p:nvPr/>
+        </p:nvSpPr>
+        <p:spPr>
+          <a:xfrm>
+            <a:off x="1517897" y="1268287"/>
+            <a:ext cx="795089" cy="369332"/>
+          </a:xfrm>
+          <a:prstGeom prst="rect">
+            <a:avLst/>
+          </a:prstGeom>
+          <a:noFill/>
+        </p:spPr>
+        <p:txBody>
+          <a:bodyPr wrap="none" rtlCol="0">
+            <a:spAutoFit/>
+          </a:bodyPr>
+          <a:lstStyle/>
+          <a:p>
+            <a:r>
+              <a:rPr lang="en-US" altLang="ko-KR" dirty="0"/>
+              <a:t>White</a:t>
+            </a:r>
+            <a:endParaRPr lang="ko-KR" altLang="en-US" dirty="0"/>
+          </a:p>
+        </p:txBody>
+      </p:sp>
+      <p:sp>
+        <p:nvSpPr>
+          <p:cNvPr id="9" name="TextBox 8">
+            <a:extLst>
+              <a:ext uri="{FF2B5EF4-FFF2-40B4-BE49-F238E27FC236}">
+                <a16:creationId xmlns:a16="http://schemas.microsoft.com/office/drawing/2014/main" id="{2512E998-D1D5-4F2C-92B5-610629D89D98}"/>
+              </a:ext>
+            </a:extLst>
+          </p:cNvPr>
+          <p:cNvSpPr txBox="1"/>
+          <p:nvPr/>
+        </p:nvSpPr>
+        <p:spPr>
+          <a:xfrm>
+            <a:off x="1517897" y="2372085"/>
+            <a:ext cx="2892138" cy="369332"/>
+          </a:xfrm>
+          <a:prstGeom prst="rect">
+            <a:avLst/>
+          </a:prstGeom>
+          <a:noFill/>
+        </p:spPr>
+        <p:txBody>
+          <a:bodyPr wrap="none" rtlCol="0">
+            <a:spAutoFit/>
+          </a:bodyPr>
+          <a:lstStyle/>
+          <a:p>
+            <a:r>
+              <a:rPr lang="en-US" altLang="ko-KR" dirty="0"/>
+              <a:t>Black or African American</a:t>
+            </a:r>
+            <a:endParaRPr lang="ko-KR" altLang="en-US" dirty="0"/>
+          </a:p>
+        </p:txBody>
+      </p:sp>
+      <p:sp>
+        <p:nvSpPr>
+          <p:cNvPr id="10" name="TextBox 9">
+            <a:extLst>
+              <a:ext uri="{FF2B5EF4-FFF2-40B4-BE49-F238E27FC236}">
+                <a16:creationId xmlns:a16="http://schemas.microsoft.com/office/drawing/2014/main" id="{EA86280A-48E0-44A3-9434-533562DA0E67}"/>
+              </a:ext>
+            </a:extLst>
+          </p:cNvPr>
+          <p:cNvSpPr txBox="1"/>
+          <p:nvPr/>
+        </p:nvSpPr>
+        <p:spPr>
+          <a:xfrm>
+            <a:off x="1517897" y="3475883"/>
+            <a:ext cx="3394006" cy="369332"/>
+          </a:xfrm>
+          <a:prstGeom prst="rect">
+            <a:avLst/>
+          </a:prstGeom>
+          <a:noFill/>
+        </p:spPr>
+        <p:txBody>
+          <a:bodyPr wrap="none" rtlCol="0">
+            <a:spAutoFit/>
+          </a:bodyPr>
+          <a:lstStyle/>
+          <a:p>
+            <a:r>
+              <a:rPr lang="en-US" altLang="ko-KR" dirty="0"/>
+              <a:t>American Indian, Alaska native</a:t>
+            </a:r>
+            <a:endParaRPr lang="ko-KR" altLang="en-US" dirty="0"/>
+          </a:p>
+        </p:txBody>
+      </p:sp>
+      <p:sp>
+        <p:nvSpPr>
+          <p:cNvPr id="11" name="TextBox 10">
+            <a:extLst>
+              <a:ext uri="{FF2B5EF4-FFF2-40B4-BE49-F238E27FC236}">
+                <a16:creationId xmlns:a16="http://schemas.microsoft.com/office/drawing/2014/main" id="{1D22FECE-4994-4D92-8718-DF9AF57437EE}"/>
+              </a:ext>
+            </a:extLst>
+          </p:cNvPr>
+          <p:cNvSpPr txBox="1"/>
+          <p:nvPr/>
+        </p:nvSpPr>
+        <p:spPr>
+          <a:xfrm>
+            <a:off x="1517897" y="4679638"/>
+            <a:ext cx="745717" cy="369332"/>
+          </a:xfrm>
+          <a:prstGeom prst="rect">
+            <a:avLst/>
+          </a:prstGeom>
+          <a:noFill/>
+        </p:spPr>
+        <p:txBody>
+          <a:bodyPr wrap="none" rtlCol="0">
+            <a:spAutoFit/>
+          </a:bodyPr>
+          <a:lstStyle/>
+          <a:p>
+            <a:r>
+              <a:rPr lang="en-US" altLang="ko-KR" dirty="0"/>
+              <a:t>Asian</a:t>
+            </a:r>
+            <a:endParaRPr lang="ko-KR" altLang="en-US" dirty="0"/>
+          </a:p>
+        </p:txBody>
+      </p:sp>
+      <p:sp>
+        <p:nvSpPr>
+          <p:cNvPr id="12" name="TextBox 11">
+            <a:extLst>
+              <a:ext uri="{FF2B5EF4-FFF2-40B4-BE49-F238E27FC236}">
+                <a16:creationId xmlns:a16="http://schemas.microsoft.com/office/drawing/2014/main" id="{35A1A953-CA76-48CF-866E-F54A85957E2D}"/>
+              </a:ext>
+            </a:extLst>
+          </p:cNvPr>
+          <p:cNvSpPr txBox="1"/>
+          <p:nvPr/>
+        </p:nvSpPr>
+        <p:spPr>
+          <a:xfrm>
+            <a:off x="1517897" y="5968102"/>
+            <a:ext cx="3679212" cy="369332"/>
+          </a:xfrm>
+          <a:prstGeom prst="rect">
+            <a:avLst/>
+          </a:prstGeom>
+          <a:noFill/>
+        </p:spPr>
+        <p:txBody>
+          <a:bodyPr wrap="none" rtlCol="0">
+            <a:spAutoFit/>
+          </a:bodyPr>
+          <a:lstStyle/>
+          <a:p>
+            <a:r>
+              <a:rPr lang="en-US" altLang="ko-KR" dirty="0"/>
+              <a:t>Native Hawaiian, pacific islander</a:t>
+            </a:r>
+            <a:endParaRPr lang="ko-KR" altLang="en-US" dirty="0"/>
+          </a:p>
+        </p:txBody>
+      </p:sp>
+      <p:sp>
+        <p:nvSpPr>
+          <p:cNvPr id="13" name="TextBox 12">
+            <a:extLst>
+              <a:ext uri="{FF2B5EF4-FFF2-40B4-BE49-F238E27FC236}">
+                <a16:creationId xmlns:a16="http://schemas.microsoft.com/office/drawing/2014/main" id="{B1C7BBD2-647B-45AC-B95E-45FA5043B3E3}"/>
+              </a:ext>
+            </a:extLst>
+          </p:cNvPr>
+          <p:cNvSpPr txBox="1"/>
+          <p:nvPr/>
+        </p:nvSpPr>
+        <p:spPr>
+          <a:xfrm>
+            <a:off x="6494180" y="1268287"/>
+            <a:ext cx="2210798" cy="369332"/>
+          </a:xfrm>
+          <a:prstGeom prst="rect">
+            <a:avLst/>
+          </a:prstGeom>
+          <a:noFill/>
+        </p:spPr>
+        <p:txBody>
+          <a:bodyPr wrap="none" rtlCol="0">
+            <a:spAutoFit/>
+          </a:bodyPr>
+          <a:lstStyle/>
+          <a:p>
+            <a:r>
+              <a:rPr lang="en-US" altLang="ko-KR" dirty="0"/>
+              <a:t>Two or More Races</a:t>
+            </a:r>
+            <a:endParaRPr lang="ko-KR" altLang="en-US" dirty="0"/>
+          </a:p>
+        </p:txBody>
+      </p:sp>
+      <p:sp>
+        <p:nvSpPr>
+          <p:cNvPr id="14" name="TextBox 13">
+            <a:extLst>
+              <a:ext uri="{FF2B5EF4-FFF2-40B4-BE49-F238E27FC236}">
+                <a16:creationId xmlns:a16="http://schemas.microsoft.com/office/drawing/2014/main" id="{26D88FD5-4967-47F1-8688-93A31FC07240}"/>
+              </a:ext>
+            </a:extLst>
+          </p:cNvPr>
+          <p:cNvSpPr txBox="1"/>
+          <p:nvPr/>
+        </p:nvSpPr>
+        <p:spPr>
+          <a:xfrm>
+            <a:off x="6527304" y="2396024"/>
+            <a:ext cx="1830886" cy="369332"/>
+          </a:xfrm>
+          <a:prstGeom prst="rect">
+            <a:avLst/>
+          </a:prstGeom>
+          <a:noFill/>
+        </p:spPr>
+        <p:txBody>
+          <a:bodyPr wrap="none" rtlCol="0">
+            <a:spAutoFit/>
+          </a:bodyPr>
+          <a:lstStyle/>
+          <a:p>
+            <a:r>
+              <a:rPr lang="en-US" altLang="ko-KR" dirty="0"/>
+              <a:t>Hispanic, Latino</a:t>
+            </a:r>
+            <a:endParaRPr lang="ko-KR" altLang="en-US" dirty="0"/>
+          </a:p>
+        </p:txBody>
+      </p:sp>
+      <p:sp>
+        <p:nvSpPr>
+          <p:cNvPr id="15" name="TextBox 14">
+            <a:extLst>
+              <a:ext uri="{FF2B5EF4-FFF2-40B4-BE49-F238E27FC236}">
+                <a16:creationId xmlns:a16="http://schemas.microsoft.com/office/drawing/2014/main" id="{E024D002-1FD1-4567-B3EA-617392C015AA}"/>
+              </a:ext>
+            </a:extLst>
+          </p:cNvPr>
+          <p:cNvSpPr txBox="1"/>
+          <p:nvPr/>
+        </p:nvSpPr>
+        <p:spPr>
+          <a:xfrm>
+            <a:off x="6526561" y="3833504"/>
+            <a:ext cx="3257238" cy="369332"/>
+          </a:xfrm>
+          <a:prstGeom prst="rect">
+            <a:avLst/>
+          </a:prstGeom>
+          <a:noFill/>
+        </p:spPr>
+        <p:txBody>
+          <a:bodyPr wrap="none" rtlCol="0">
+            <a:spAutoFit/>
+          </a:bodyPr>
+          <a:lstStyle/>
+          <a:p>
+            <a:r>
+              <a:rPr lang="en-US" altLang="ko-KR" dirty="0"/>
+              <a:t>White, not Hispanic or Latino</a:t>
+            </a:r>
+            <a:endParaRPr lang="ko-KR" altLang="en-US" dirty="0"/>
+          </a:p>
+        </p:txBody>
+      </p:sp>
     </p:spTree>
     <p:extLst>
       <p:ext uri="{BB962C8B-B14F-4D97-AF65-F5344CB8AC3E}">
@@ -3705,6 +3998,42 @@
           </a:prstGeom>
         </p:spPr>
       </p:pic>
+      <p:sp>
+        <p:nvSpPr>
+          <p:cNvPr id="5" name="TextBox 4">
+            <a:extLst>
+              <a:ext uri="{FF2B5EF4-FFF2-40B4-BE49-F238E27FC236}">
+                <a16:creationId xmlns:a16="http://schemas.microsoft.com/office/drawing/2014/main" id="{552D5FAB-C857-48FA-80F3-EFFC4289CD36}"/>
+              </a:ext>
+            </a:extLst>
+          </p:cNvPr>
+          <p:cNvSpPr txBox="1"/>
+          <p:nvPr/>
+        </p:nvSpPr>
+        <p:spPr>
+          <a:xfrm>
+            <a:off x="343556" y="2187142"/>
+            <a:ext cx="1794017" cy="369332"/>
+          </a:xfrm>
+          <a:prstGeom prst="rect">
+            <a:avLst/>
+          </a:prstGeom>
+          <a:noFill/>
+        </p:spPr>
+        <p:txBody>
+          <a:bodyPr wrap="none" rtlCol="0">
+            <a:spAutoFit/>
+          </a:bodyPr>
+          <a:lstStyle/>
+          <a:p>
+            <a:r>
+              <a:rPr lang="en-US" altLang="ko-KR" dirty="0"/>
+              <a:t>Female percent</a:t>
+            </a:r>
+            <a:endParaRPr lang="ko-KR" altLang="en-US" dirty="0"/>
+          </a:p>
+        </p:txBody>
+      </p:sp>
     </p:spTree>
     <p:extLst>
       <p:ext uri="{BB962C8B-B14F-4D97-AF65-F5344CB8AC3E}">
@@ -3831,6 +4160,114 @@
           </a:prstGeom>
         </p:spPr>
       </p:pic>
+      <p:sp>
+        <p:nvSpPr>
+          <p:cNvPr id="6" name="TextBox 5">
+            <a:extLst>
+              <a:ext uri="{FF2B5EF4-FFF2-40B4-BE49-F238E27FC236}">
+                <a16:creationId xmlns:a16="http://schemas.microsoft.com/office/drawing/2014/main" id="{FFAD53F2-15BB-46CF-8A1B-8F7A22C74FE6}"/>
+              </a:ext>
+            </a:extLst>
+          </p:cNvPr>
+          <p:cNvSpPr txBox="1"/>
+          <p:nvPr/>
+        </p:nvSpPr>
+        <p:spPr>
+          <a:xfrm>
+            <a:off x="287867" y="1974573"/>
+            <a:ext cx="1084011" cy="369332"/>
+          </a:xfrm>
+          <a:prstGeom prst="rect">
+            <a:avLst/>
+          </a:prstGeom>
+          <a:noFill/>
+        </p:spPr>
+        <p:txBody>
+          <a:bodyPr wrap="square" rtlCol="0">
+            <a:spAutoFit/>
+          </a:bodyPr>
+          <a:lstStyle/>
+          <a:p>
+            <a:r>
+              <a:rPr lang="en-US" altLang="ko-KR" dirty="0"/>
+              <a:t>Under 5</a:t>
+            </a:r>
+            <a:endParaRPr lang="ko-KR" altLang="en-US" dirty="0"/>
+          </a:p>
+        </p:txBody>
+      </p:sp>
+      <p:sp>
+        <p:nvSpPr>
+          <p:cNvPr id="8" name="TextBox 7">
+            <a:extLst>
+              <a:ext uri="{FF2B5EF4-FFF2-40B4-BE49-F238E27FC236}">
+                <a16:creationId xmlns:a16="http://schemas.microsoft.com/office/drawing/2014/main" id="{13090D49-1971-4BCA-90E5-45ADF94D930F}"/>
+              </a:ext>
+            </a:extLst>
+          </p:cNvPr>
+          <p:cNvSpPr txBox="1"/>
+          <p:nvPr/>
+        </p:nvSpPr>
+        <p:spPr>
+          <a:xfrm>
+            <a:off x="222503" y="3244334"/>
+            <a:ext cx="1831168" cy="369332"/>
+          </a:xfrm>
+          <a:prstGeom prst="rect">
+            <a:avLst/>
+          </a:prstGeom>
+          <a:noFill/>
+        </p:spPr>
+        <p:txBody>
+          <a:bodyPr wrap="square" rtlCol="0">
+            <a:spAutoFit/>
+          </a:bodyPr>
+          <a:lstStyle/>
+          <a:p>
+            <a:r>
+              <a:rPr lang="en-US" altLang="ko-KR" dirty="0"/>
+              <a:t>Under 18</a:t>
+            </a:r>
+            <a:endParaRPr lang="ko-KR" altLang="en-US" dirty="0"/>
+          </a:p>
+        </p:txBody>
+      </p:sp>
+      <p:sp>
+        <p:nvSpPr>
+          <p:cNvPr id="9" name="TextBox 8">
+            <a:extLst>
+              <a:ext uri="{FF2B5EF4-FFF2-40B4-BE49-F238E27FC236}">
+                <a16:creationId xmlns:a16="http://schemas.microsoft.com/office/drawing/2014/main" id="{94CB8D55-03F0-4A3C-945E-5D02B2B2FF3B}"/>
+              </a:ext>
+            </a:extLst>
+          </p:cNvPr>
+          <p:cNvSpPr txBox="1"/>
+          <p:nvPr/>
+        </p:nvSpPr>
+        <p:spPr>
+          <a:xfrm>
+            <a:off x="222503" y="4475553"/>
+            <a:ext cx="1831168" cy="369332"/>
+          </a:xfrm>
+          <a:prstGeom prst="rect">
+            <a:avLst/>
+          </a:prstGeom>
+          <a:noFill/>
+        </p:spPr>
+        <p:txBody>
+          <a:bodyPr wrap="square" rtlCol="0">
+            <a:spAutoFit/>
+          </a:bodyPr>
+          <a:lstStyle/>
+          <a:p>
+            <a:r>
+              <a:rPr lang="en-US" altLang="ko-KR" dirty="0"/>
+              <a:t>65 and over</a:t>
+            </a:r>
+            <a:endParaRPr lang="ko-KR" altLang="en-US" dirty="0"/>
+          </a:p>
+        </p:txBody>
+      </p:sp>
     </p:spTree>
     <p:extLst>
       <p:ext uri="{BB962C8B-B14F-4D97-AF65-F5344CB8AC3E}">
@@ -4053,6 +4490,78 @@
           </a:prstGeom>
         </p:spPr>
       </p:pic>
+      <p:sp>
+        <p:nvSpPr>
+          <p:cNvPr id="6" name="TextBox 5">
+            <a:extLst>
+              <a:ext uri="{FF2B5EF4-FFF2-40B4-BE49-F238E27FC236}">
+                <a16:creationId xmlns:a16="http://schemas.microsoft.com/office/drawing/2014/main" id="{F5DC24FC-7F62-4D90-A9BD-BBC15696B26E}"/>
+              </a:ext>
+            </a:extLst>
+          </p:cNvPr>
+          <p:cNvSpPr txBox="1"/>
+          <p:nvPr/>
+        </p:nvSpPr>
+        <p:spPr>
+          <a:xfrm>
+            <a:off x="722610" y="1652840"/>
+            <a:ext cx="7117523" cy="369332"/>
+          </a:xfrm>
+          <a:prstGeom prst="rect">
+            <a:avLst/>
+          </a:prstGeom>
+          <a:noFill/>
+        </p:spPr>
+        <p:txBody>
+          <a:bodyPr wrap="square" rtlCol="0">
+            <a:spAutoFit/>
+          </a:bodyPr>
+          <a:lstStyle/>
+          <a:p>
+            <a:r>
+              <a:rPr lang="en-US" altLang="ko-KR" dirty="0"/>
+              <a:t>High school graduate or higher, percent of persons age 25+</a:t>
+            </a:r>
+            <a:endParaRPr lang="ko-KR" altLang="en-US" dirty="0"/>
+          </a:p>
+        </p:txBody>
+      </p:sp>
+      <p:sp>
+        <p:nvSpPr>
+          <p:cNvPr id="7" name="TextBox 6">
+            <a:extLst>
+              <a:ext uri="{FF2B5EF4-FFF2-40B4-BE49-F238E27FC236}">
+                <a16:creationId xmlns:a16="http://schemas.microsoft.com/office/drawing/2014/main" id="{F8DF5187-1FE5-42DA-A11A-E4E131FB1786}"/>
+              </a:ext>
+            </a:extLst>
+          </p:cNvPr>
+          <p:cNvSpPr txBox="1"/>
+          <p:nvPr/>
+        </p:nvSpPr>
+        <p:spPr>
+          <a:xfrm>
+            <a:off x="722610" y="3059668"/>
+            <a:ext cx="6461921" cy="369332"/>
+          </a:xfrm>
+          <a:prstGeom prst="rect">
+            <a:avLst/>
+          </a:prstGeom>
+          <a:noFill/>
+        </p:spPr>
+        <p:txBody>
+          <a:bodyPr wrap="square" rtlCol="0">
+            <a:spAutoFit/>
+          </a:bodyPr>
+          <a:lstStyle/>
+          <a:p>
+            <a:r>
+              <a:rPr lang="en-US" altLang="ko-KR" dirty="0"/>
+              <a:t>Bachelor's degree or higher, percent of persons age 25+</a:t>
+            </a:r>
+            <a:endParaRPr lang="ko-KR" altLang="en-US" dirty="0"/>
+          </a:p>
+        </p:txBody>
+      </p:sp>
     </p:spTree>
     <p:extLst>
       <p:ext uri="{BB962C8B-B14F-4D97-AF65-F5344CB8AC3E}">

--- a/week6_assignment.pptx
+++ b/week6_assignment.pptx
@@ -6,12 +6,13 @@
   </p:sldMasterIdLst>
   <p:sldIdLst>
     <p:sldId id="258" r:id="rId2"/>
-    <p:sldId id="256" r:id="rId3"/>
-    <p:sldId id="259" r:id="rId4"/>
-    <p:sldId id="260" r:id="rId5"/>
-    <p:sldId id="261" r:id="rId6"/>
+    <p:sldId id="264" r:id="rId3"/>
+    <p:sldId id="265" r:id="rId4"/>
+    <p:sldId id="256" r:id="rId5"/>
+    <p:sldId id="260" r:id="rId6"/>
     <p:sldId id="262" r:id="rId7"/>
-    <p:sldId id="263" r:id="rId8"/>
+    <p:sldId id="266" r:id="rId8"/>
+    <p:sldId id="267" r:id="rId9"/>
   </p:sldIdLst>
   <p:sldSz cx="12192000" cy="6858000"/>
   <p:notesSz cx="6858000" cy="9144000"/>
@@ -265,7 +266,7 @@
           <a:p>
             <a:fld id="{35AC9916-568B-4B1D-9E9C-669924CD1746}" type="datetimeFigureOut">
               <a:rPr lang="ko-KR" altLang="en-US" smtClean="0"/>
-              <a:t>2019-10-12</a:t>
+              <a:t>2019-10-18</a:t>
             </a:fld>
             <a:endParaRPr lang="ko-KR" altLang="en-US"/>
           </a:p>
@@ -463,7 +464,7 @@
           <a:p>
             <a:fld id="{35AC9916-568B-4B1D-9E9C-669924CD1746}" type="datetimeFigureOut">
               <a:rPr lang="ko-KR" altLang="en-US" smtClean="0"/>
-              <a:t>2019-10-12</a:t>
+              <a:t>2019-10-18</a:t>
             </a:fld>
             <a:endParaRPr lang="ko-KR" altLang="en-US"/>
           </a:p>
@@ -671,7 +672,7 @@
           <a:p>
             <a:fld id="{35AC9916-568B-4B1D-9E9C-669924CD1746}" type="datetimeFigureOut">
               <a:rPr lang="ko-KR" altLang="en-US" smtClean="0"/>
-              <a:t>2019-10-12</a:t>
+              <a:t>2019-10-18</a:t>
             </a:fld>
             <a:endParaRPr lang="ko-KR" altLang="en-US"/>
           </a:p>
@@ -869,7 +870,7 @@
           <a:p>
             <a:fld id="{35AC9916-568B-4B1D-9E9C-669924CD1746}" type="datetimeFigureOut">
               <a:rPr lang="ko-KR" altLang="en-US" smtClean="0"/>
-              <a:t>2019-10-12</a:t>
+              <a:t>2019-10-18</a:t>
             </a:fld>
             <a:endParaRPr lang="ko-KR" altLang="en-US"/>
           </a:p>
@@ -1144,7 +1145,7 @@
           <a:p>
             <a:fld id="{35AC9916-568B-4B1D-9E9C-669924CD1746}" type="datetimeFigureOut">
               <a:rPr lang="ko-KR" altLang="en-US" smtClean="0"/>
-              <a:t>2019-10-12</a:t>
+              <a:t>2019-10-18</a:t>
             </a:fld>
             <a:endParaRPr lang="ko-KR" altLang="en-US"/>
           </a:p>
@@ -1409,7 +1410,7 @@
           <a:p>
             <a:fld id="{35AC9916-568B-4B1D-9E9C-669924CD1746}" type="datetimeFigureOut">
               <a:rPr lang="ko-KR" altLang="en-US" smtClean="0"/>
-              <a:t>2019-10-12</a:t>
+              <a:t>2019-10-18</a:t>
             </a:fld>
             <a:endParaRPr lang="ko-KR" altLang="en-US"/>
           </a:p>
@@ -1821,7 +1822,7 @@
           <a:p>
             <a:fld id="{35AC9916-568B-4B1D-9E9C-669924CD1746}" type="datetimeFigureOut">
               <a:rPr lang="ko-KR" altLang="en-US" smtClean="0"/>
-              <a:t>2019-10-12</a:t>
+              <a:t>2019-10-18</a:t>
             </a:fld>
             <a:endParaRPr lang="ko-KR" altLang="en-US"/>
           </a:p>
@@ -1962,7 +1963,7 @@
           <a:p>
             <a:fld id="{35AC9916-568B-4B1D-9E9C-669924CD1746}" type="datetimeFigureOut">
               <a:rPr lang="ko-KR" altLang="en-US" smtClean="0"/>
-              <a:t>2019-10-12</a:t>
+              <a:t>2019-10-18</a:t>
             </a:fld>
             <a:endParaRPr lang="ko-KR" altLang="en-US"/>
           </a:p>
@@ -2075,7 +2076,7 @@
           <a:p>
             <a:fld id="{35AC9916-568B-4B1D-9E9C-669924CD1746}" type="datetimeFigureOut">
               <a:rPr lang="ko-KR" altLang="en-US" smtClean="0"/>
-              <a:t>2019-10-12</a:t>
+              <a:t>2019-10-18</a:t>
             </a:fld>
             <a:endParaRPr lang="ko-KR" altLang="en-US"/>
           </a:p>
@@ -2386,7 +2387,7 @@
           <a:p>
             <a:fld id="{35AC9916-568B-4B1D-9E9C-669924CD1746}" type="datetimeFigureOut">
               <a:rPr lang="ko-KR" altLang="en-US" smtClean="0"/>
-              <a:t>2019-10-12</a:t>
+              <a:t>2019-10-18</a:t>
             </a:fld>
             <a:endParaRPr lang="ko-KR" altLang="en-US"/>
           </a:p>
@@ -2674,7 +2675,7 @@
           <a:p>
             <a:fld id="{35AC9916-568B-4B1D-9E9C-669924CD1746}" type="datetimeFigureOut">
               <a:rPr lang="ko-KR" altLang="en-US" smtClean="0"/>
-              <a:t>2019-10-12</a:t>
+              <a:t>2019-10-18</a:t>
             </a:fld>
             <a:endParaRPr lang="ko-KR" altLang="en-US"/>
           </a:p>
@@ -2915,7 +2916,7 @@
           <a:p>
             <a:fld id="{35AC9916-568B-4B1D-9E9C-669924CD1746}" type="datetimeFigureOut">
               <a:rPr lang="ko-KR" altLang="en-US" smtClean="0"/>
-              <a:t>2019-10-12</a:t>
+              <a:t>2019-10-18</a:t>
             </a:fld>
             <a:endParaRPr lang="ko-KR" altLang="en-US"/>
           </a:p>
@@ -3433,7 +3434,7 @@
           <p:cNvPr id="4" name="TextBox 3">
             <a:extLst>
               <a:ext uri="{FF2B5EF4-FFF2-40B4-BE49-F238E27FC236}">
-                <a16:creationId xmlns:a16="http://schemas.microsoft.com/office/drawing/2014/main" id="{895916A8-7094-4E36-96C3-49122712B620}"/>
+                <a16:creationId xmlns:a16="http://schemas.microsoft.com/office/drawing/2014/main" id="{4842840A-DC3F-46A3-8B36-11F8C09F9DB3}"/>
               </a:ext>
             </a:extLst>
           </p:cNvPr>
@@ -3443,7 +3444,7 @@
         <p:spPr>
           <a:xfrm>
             <a:off x="287867" y="220134"/>
-            <a:ext cx="805029" cy="523220"/>
+            <a:ext cx="918841" cy="523220"/>
           </a:xfrm>
           <a:prstGeom prst="rect">
             <a:avLst/>
@@ -3457,8 +3458,8 @@
           <a:lstStyle/>
           <a:p>
             <a:r>
-              <a:rPr lang="en-US" altLang="ko-KR" sz="2800" b="1"/>
-              <a:t>RHI</a:t>
+              <a:rPr lang="en-US" altLang="ko-KR" sz="2800" b="1" dirty="0" err="1"/>
+              <a:t>Corr</a:t>
             </a:r>
             <a:endParaRPr lang="ko-KR" altLang="en-US" sz="2800" b="1" dirty="0"/>
           </a:p>
@@ -3469,7 +3470,7 @@
           <p:cNvPr id="5" name="그림 4">
             <a:extLst>
               <a:ext uri="{FF2B5EF4-FFF2-40B4-BE49-F238E27FC236}">
-                <a16:creationId xmlns:a16="http://schemas.microsoft.com/office/drawing/2014/main" id="{421A5550-A42E-4052-903C-F7D12B8A7713}"/>
+                <a16:creationId xmlns:a16="http://schemas.microsoft.com/office/drawing/2014/main" id="{64CF5CB7-C9E7-4D16-8B9C-D7AAF56F6DDF}"/>
               </a:ext>
             </a:extLst>
           </p:cNvPr>
@@ -3486,20 +3487,158 @@
         </p:blipFill>
         <p:spPr>
           <a:xfrm>
-            <a:off x="1517897" y="440266"/>
-            <a:ext cx="4976283" cy="3780683"/>
+            <a:off x="2942167" y="220134"/>
+            <a:ext cx="1586547" cy="5283200"/>
           </a:xfrm>
           <a:prstGeom prst="rect">
             <a:avLst/>
           </a:prstGeom>
         </p:spPr>
       </p:pic>
+      <p:sp>
+        <p:nvSpPr>
+          <p:cNvPr id="6" name="타원 5">
+            <a:extLst>
+              <a:ext uri="{FF2B5EF4-FFF2-40B4-BE49-F238E27FC236}">
+                <a16:creationId xmlns:a16="http://schemas.microsoft.com/office/drawing/2014/main" id="{D32E70AB-F1F6-4335-A50E-26BFB9B474D6}"/>
+              </a:ext>
+            </a:extLst>
+          </p:cNvPr>
+          <p:cNvSpPr/>
+          <p:nvPr/>
+        </p:nvSpPr>
+        <p:spPr>
+          <a:xfrm>
+            <a:off x="3616906" y="5858934"/>
+            <a:ext cx="135467" cy="135467"/>
+          </a:xfrm>
+          <a:prstGeom prst="ellipse">
+            <a:avLst/>
+          </a:prstGeom>
+        </p:spPr>
+        <p:style>
+          <a:lnRef idx="2">
+            <a:schemeClr val="dk1">
+              <a:shade val="50000"/>
+            </a:schemeClr>
+          </a:lnRef>
+          <a:fillRef idx="1">
+            <a:schemeClr val="dk1"/>
+          </a:fillRef>
+          <a:effectRef idx="0">
+            <a:schemeClr val="dk1"/>
+          </a:effectRef>
+          <a:fontRef idx="minor">
+            <a:schemeClr val="lt1"/>
+          </a:fontRef>
+        </p:style>
+        <p:txBody>
+          <a:bodyPr rtlCol="0" anchor="ctr"/>
+          <a:lstStyle/>
+          <a:p>
+            <a:pPr algn="ctr"/>
+            <a:endParaRPr lang="ko-KR" altLang="en-US"/>
+          </a:p>
+        </p:txBody>
+      </p:sp>
+      <p:sp>
+        <p:nvSpPr>
+          <p:cNvPr id="7" name="타원 6">
+            <a:extLst>
+              <a:ext uri="{FF2B5EF4-FFF2-40B4-BE49-F238E27FC236}">
+                <a16:creationId xmlns:a16="http://schemas.microsoft.com/office/drawing/2014/main" id="{6B8B9201-0258-44D7-90BC-16B5124A88A7}"/>
+              </a:ext>
+            </a:extLst>
+          </p:cNvPr>
+          <p:cNvSpPr/>
+          <p:nvPr/>
+        </p:nvSpPr>
+        <p:spPr>
+          <a:xfrm>
+            <a:off x="3616906" y="6096000"/>
+            <a:ext cx="135467" cy="135467"/>
+          </a:xfrm>
+          <a:prstGeom prst="ellipse">
+            <a:avLst/>
+          </a:prstGeom>
+        </p:spPr>
+        <p:style>
+          <a:lnRef idx="2">
+            <a:schemeClr val="dk1">
+              <a:shade val="50000"/>
+            </a:schemeClr>
+          </a:lnRef>
+          <a:fillRef idx="1">
+            <a:schemeClr val="dk1"/>
+          </a:fillRef>
+          <a:effectRef idx="0">
+            <a:schemeClr val="dk1"/>
+          </a:effectRef>
+          <a:fontRef idx="minor">
+            <a:schemeClr val="lt1"/>
+          </a:fontRef>
+        </p:style>
+        <p:txBody>
+          <a:bodyPr rtlCol="0" anchor="ctr"/>
+          <a:lstStyle/>
+          <a:p>
+            <a:pPr algn="ctr"/>
+            <a:endParaRPr lang="ko-KR" altLang="en-US"/>
+          </a:p>
+        </p:txBody>
+      </p:sp>
+      <p:sp>
+        <p:nvSpPr>
+          <p:cNvPr id="8" name="타원 7">
+            <a:extLst>
+              <a:ext uri="{FF2B5EF4-FFF2-40B4-BE49-F238E27FC236}">
+                <a16:creationId xmlns:a16="http://schemas.microsoft.com/office/drawing/2014/main" id="{B68E0B5E-51ED-4A9E-999E-D4567E6D95AF}"/>
+              </a:ext>
+            </a:extLst>
+          </p:cNvPr>
+          <p:cNvSpPr/>
+          <p:nvPr/>
+        </p:nvSpPr>
+        <p:spPr>
+          <a:xfrm>
+            <a:off x="3616906" y="6333066"/>
+            <a:ext cx="135467" cy="135467"/>
+          </a:xfrm>
+          <a:prstGeom prst="ellipse">
+            <a:avLst/>
+          </a:prstGeom>
+        </p:spPr>
+        <p:style>
+          <a:lnRef idx="2">
+            <a:schemeClr val="dk1">
+              <a:shade val="50000"/>
+            </a:schemeClr>
+          </a:lnRef>
+          <a:fillRef idx="1">
+            <a:schemeClr val="dk1"/>
+          </a:fillRef>
+          <a:effectRef idx="0">
+            <a:schemeClr val="dk1"/>
+          </a:effectRef>
+          <a:fontRef idx="minor">
+            <a:schemeClr val="lt1"/>
+          </a:fontRef>
+        </p:style>
+        <p:txBody>
+          <a:bodyPr rtlCol="0" anchor="ctr"/>
+          <a:lstStyle/>
+          <a:p>
+            <a:pPr algn="ctr"/>
+            <a:endParaRPr lang="ko-KR" altLang="en-US"/>
+          </a:p>
+        </p:txBody>
+      </p:sp>
       <p:pic>
         <p:nvPicPr>
-          <p:cNvPr id="6" name="그림 5">
-            <a:extLst>
-              <a:ext uri="{FF2B5EF4-FFF2-40B4-BE49-F238E27FC236}">
-                <a16:creationId xmlns:a16="http://schemas.microsoft.com/office/drawing/2014/main" id="{0BDBC49F-687E-48C6-B4D8-EA8092A43838}"/>
+          <p:cNvPr id="9" name="그림 8">
+            <a:extLst>
+              <a:ext uri="{FF2B5EF4-FFF2-40B4-BE49-F238E27FC236}">
+                <a16:creationId xmlns:a16="http://schemas.microsoft.com/office/drawing/2014/main" id="{10C454B9-B0FE-42B4-92B8-EEF196F62069}"/>
               </a:ext>
             </a:extLst>
           </p:cNvPr>
@@ -3516,80 +3655,20 @@
         </p:blipFill>
         <p:spPr>
           <a:xfrm>
-            <a:off x="6494180" y="481744"/>
-            <a:ext cx="5075967" cy="3780682"/>
+            <a:off x="7185182" y="220134"/>
+            <a:ext cx="1627450" cy="5283200"/>
           </a:xfrm>
           <a:prstGeom prst="rect">
             <a:avLst/>
           </a:prstGeom>
         </p:spPr>
       </p:pic>
-      <p:pic>
-        <p:nvPicPr>
-          <p:cNvPr id="7" name="그림 6">
-            <a:extLst>
-              <a:ext uri="{FF2B5EF4-FFF2-40B4-BE49-F238E27FC236}">
-                <a16:creationId xmlns:a16="http://schemas.microsoft.com/office/drawing/2014/main" id="{D99BC333-EEA4-4F73-90D4-7FFB11A1F209}"/>
-              </a:ext>
-            </a:extLst>
-          </p:cNvPr>
-          <p:cNvPicPr>
-            <a:picLocks noChangeAspect="1"/>
-          </p:cNvPicPr>
-          <p:nvPr/>
-        </p:nvPicPr>
-        <p:blipFill>
-          <a:blip r:embed="rId4"/>
-          <a:stretch>
-            <a:fillRect/>
-          </a:stretch>
-        </p:blipFill>
-        <p:spPr>
-          <a:xfrm>
-            <a:off x="1517897" y="3942537"/>
-            <a:ext cx="4976283" cy="2455546"/>
-          </a:xfrm>
-          <a:prstGeom prst="rect">
-            <a:avLst/>
-          </a:prstGeom>
-        </p:spPr>
-      </p:pic>
-      <p:pic>
-        <p:nvPicPr>
-          <p:cNvPr id="8" name="그림 7">
-            <a:extLst>
-              <a:ext uri="{FF2B5EF4-FFF2-40B4-BE49-F238E27FC236}">
-                <a16:creationId xmlns:a16="http://schemas.microsoft.com/office/drawing/2014/main" id="{BBA9BC81-8C21-48D7-A147-EA6B8062AE9F}"/>
-              </a:ext>
-            </a:extLst>
-          </p:cNvPr>
-          <p:cNvPicPr>
-            <a:picLocks noChangeAspect="1"/>
-          </p:cNvPicPr>
-          <p:nvPr/>
-        </p:nvPicPr>
-        <p:blipFill>
-          <a:blip r:embed="rId5"/>
-          <a:stretch>
-            <a:fillRect/>
-          </a:stretch>
-        </p:blipFill>
-        <p:spPr>
-          <a:xfrm>
-            <a:off x="7114967" y="4636909"/>
-            <a:ext cx="4770644" cy="1913573"/>
-          </a:xfrm>
-          <a:prstGeom prst="rect">
-            <a:avLst/>
-          </a:prstGeom>
-        </p:spPr>
-      </p:pic>
-      <p:sp>
-        <p:nvSpPr>
-          <p:cNvPr id="2" name="TextBox 1">
-            <a:extLst>
-              <a:ext uri="{FF2B5EF4-FFF2-40B4-BE49-F238E27FC236}">
-                <a16:creationId xmlns:a16="http://schemas.microsoft.com/office/drawing/2014/main" id="{EB184EE1-391A-45AB-94FA-9280AAFD195F}"/>
+      <p:sp>
+        <p:nvSpPr>
+          <p:cNvPr id="12" name="TextBox 11">
+            <a:extLst>
+              <a:ext uri="{FF2B5EF4-FFF2-40B4-BE49-F238E27FC236}">
+                <a16:creationId xmlns:a16="http://schemas.microsoft.com/office/drawing/2014/main" id="{C8DEB24E-9E92-437D-8AC3-717B4B22BF82}"/>
               </a:ext>
             </a:extLst>
           </p:cNvPr>
@@ -3598,8 +3677,8 @@
         </p:nvSpPr>
         <p:spPr>
           <a:xfrm>
-            <a:off x="1517897" y="1268287"/>
-            <a:ext cx="795089" cy="369332"/>
+            <a:off x="7162885" y="5674268"/>
+            <a:ext cx="1649747" cy="369332"/>
           </a:xfrm>
           <a:prstGeom prst="rect">
             <a:avLst/>
@@ -3614,259 +3693,7 @@
           <a:p>
             <a:r>
               <a:rPr lang="en-US" altLang="ko-KR" dirty="0"/>
-              <a:t>White</a:t>
-            </a:r>
-            <a:endParaRPr lang="ko-KR" altLang="en-US" dirty="0"/>
-          </a:p>
-        </p:txBody>
-      </p:sp>
-      <p:sp>
-        <p:nvSpPr>
-          <p:cNvPr id="9" name="TextBox 8">
-            <a:extLst>
-              <a:ext uri="{FF2B5EF4-FFF2-40B4-BE49-F238E27FC236}">
-                <a16:creationId xmlns:a16="http://schemas.microsoft.com/office/drawing/2014/main" id="{2512E998-D1D5-4F2C-92B5-610629D89D98}"/>
-              </a:ext>
-            </a:extLst>
-          </p:cNvPr>
-          <p:cNvSpPr txBox="1"/>
-          <p:nvPr/>
-        </p:nvSpPr>
-        <p:spPr>
-          <a:xfrm>
-            <a:off x="1517897" y="2372085"/>
-            <a:ext cx="2892138" cy="369332"/>
-          </a:xfrm>
-          <a:prstGeom prst="rect">
-            <a:avLst/>
-          </a:prstGeom>
-          <a:noFill/>
-        </p:spPr>
-        <p:txBody>
-          <a:bodyPr wrap="none" rtlCol="0">
-            <a:spAutoFit/>
-          </a:bodyPr>
-          <a:lstStyle/>
-          <a:p>
-            <a:r>
-              <a:rPr lang="en-US" altLang="ko-KR" dirty="0"/>
-              <a:t>Black or African American</a:t>
-            </a:r>
-            <a:endParaRPr lang="ko-KR" altLang="en-US" dirty="0"/>
-          </a:p>
-        </p:txBody>
-      </p:sp>
-      <p:sp>
-        <p:nvSpPr>
-          <p:cNvPr id="10" name="TextBox 9">
-            <a:extLst>
-              <a:ext uri="{FF2B5EF4-FFF2-40B4-BE49-F238E27FC236}">
-                <a16:creationId xmlns:a16="http://schemas.microsoft.com/office/drawing/2014/main" id="{EA86280A-48E0-44A3-9434-533562DA0E67}"/>
-              </a:ext>
-            </a:extLst>
-          </p:cNvPr>
-          <p:cNvSpPr txBox="1"/>
-          <p:nvPr/>
-        </p:nvSpPr>
-        <p:spPr>
-          <a:xfrm>
-            <a:off x="1517897" y="3475883"/>
-            <a:ext cx="3394006" cy="369332"/>
-          </a:xfrm>
-          <a:prstGeom prst="rect">
-            <a:avLst/>
-          </a:prstGeom>
-          <a:noFill/>
-        </p:spPr>
-        <p:txBody>
-          <a:bodyPr wrap="none" rtlCol="0">
-            <a:spAutoFit/>
-          </a:bodyPr>
-          <a:lstStyle/>
-          <a:p>
-            <a:r>
-              <a:rPr lang="en-US" altLang="ko-KR" dirty="0"/>
-              <a:t>American Indian, Alaska native</a:t>
-            </a:r>
-            <a:endParaRPr lang="ko-KR" altLang="en-US" dirty="0"/>
-          </a:p>
-        </p:txBody>
-      </p:sp>
-      <p:sp>
-        <p:nvSpPr>
-          <p:cNvPr id="11" name="TextBox 10">
-            <a:extLst>
-              <a:ext uri="{FF2B5EF4-FFF2-40B4-BE49-F238E27FC236}">
-                <a16:creationId xmlns:a16="http://schemas.microsoft.com/office/drawing/2014/main" id="{1D22FECE-4994-4D92-8718-DF9AF57437EE}"/>
-              </a:ext>
-            </a:extLst>
-          </p:cNvPr>
-          <p:cNvSpPr txBox="1"/>
-          <p:nvPr/>
-        </p:nvSpPr>
-        <p:spPr>
-          <a:xfrm>
-            <a:off x="1517897" y="4679638"/>
-            <a:ext cx="745717" cy="369332"/>
-          </a:xfrm>
-          <a:prstGeom prst="rect">
-            <a:avLst/>
-          </a:prstGeom>
-          <a:noFill/>
-        </p:spPr>
-        <p:txBody>
-          <a:bodyPr wrap="none" rtlCol="0">
-            <a:spAutoFit/>
-          </a:bodyPr>
-          <a:lstStyle/>
-          <a:p>
-            <a:r>
-              <a:rPr lang="en-US" altLang="ko-KR" dirty="0"/>
-              <a:t>Asian</a:t>
-            </a:r>
-            <a:endParaRPr lang="ko-KR" altLang="en-US" dirty="0"/>
-          </a:p>
-        </p:txBody>
-      </p:sp>
-      <p:sp>
-        <p:nvSpPr>
-          <p:cNvPr id="12" name="TextBox 11">
-            <a:extLst>
-              <a:ext uri="{FF2B5EF4-FFF2-40B4-BE49-F238E27FC236}">
-                <a16:creationId xmlns:a16="http://schemas.microsoft.com/office/drawing/2014/main" id="{35A1A953-CA76-48CF-866E-F54A85957E2D}"/>
-              </a:ext>
-            </a:extLst>
-          </p:cNvPr>
-          <p:cNvSpPr txBox="1"/>
-          <p:nvPr/>
-        </p:nvSpPr>
-        <p:spPr>
-          <a:xfrm>
-            <a:off x="1517897" y="5968102"/>
-            <a:ext cx="3679212" cy="369332"/>
-          </a:xfrm>
-          <a:prstGeom prst="rect">
-            <a:avLst/>
-          </a:prstGeom>
-          <a:noFill/>
-        </p:spPr>
-        <p:txBody>
-          <a:bodyPr wrap="none" rtlCol="0">
-            <a:spAutoFit/>
-          </a:bodyPr>
-          <a:lstStyle/>
-          <a:p>
-            <a:r>
-              <a:rPr lang="en-US" altLang="ko-KR" dirty="0"/>
-              <a:t>Native Hawaiian, pacific islander</a:t>
-            </a:r>
-            <a:endParaRPr lang="ko-KR" altLang="en-US" dirty="0"/>
-          </a:p>
-        </p:txBody>
-      </p:sp>
-      <p:sp>
-        <p:nvSpPr>
-          <p:cNvPr id="13" name="TextBox 12">
-            <a:extLst>
-              <a:ext uri="{FF2B5EF4-FFF2-40B4-BE49-F238E27FC236}">
-                <a16:creationId xmlns:a16="http://schemas.microsoft.com/office/drawing/2014/main" id="{B1C7BBD2-647B-45AC-B95E-45FA5043B3E3}"/>
-              </a:ext>
-            </a:extLst>
-          </p:cNvPr>
-          <p:cNvSpPr txBox="1"/>
-          <p:nvPr/>
-        </p:nvSpPr>
-        <p:spPr>
-          <a:xfrm>
-            <a:off x="6494180" y="1268287"/>
-            <a:ext cx="2210798" cy="369332"/>
-          </a:xfrm>
-          <a:prstGeom prst="rect">
-            <a:avLst/>
-          </a:prstGeom>
-          <a:noFill/>
-        </p:spPr>
-        <p:txBody>
-          <a:bodyPr wrap="none" rtlCol="0">
-            <a:spAutoFit/>
-          </a:bodyPr>
-          <a:lstStyle/>
-          <a:p>
-            <a:r>
-              <a:rPr lang="en-US" altLang="ko-KR" dirty="0"/>
-              <a:t>Two or More Races</a:t>
-            </a:r>
-            <a:endParaRPr lang="ko-KR" altLang="en-US" dirty="0"/>
-          </a:p>
-        </p:txBody>
-      </p:sp>
-      <p:sp>
-        <p:nvSpPr>
-          <p:cNvPr id="14" name="TextBox 13">
-            <a:extLst>
-              <a:ext uri="{FF2B5EF4-FFF2-40B4-BE49-F238E27FC236}">
-                <a16:creationId xmlns:a16="http://schemas.microsoft.com/office/drawing/2014/main" id="{26D88FD5-4967-47F1-8688-93A31FC07240}"/>
-              </a:ext>
-            </a:extLst>
-          </p:cNvPr>
-          <p:cNvSpPr txBox="1"/>
-          <p:nvPr/>
-        </p:nvSpPr>
-        <p:spPr>
-          <a:xfrm>
-            <a:off x="6527304" y="2396024"/>
-            <a:ext cx="1830886" cy="369332"/>
-          </a:xfrm>
-          <a:prstGeom prst="rect">
-            <a:avLst/>
-          </a:prstGeom>
-          <a:noFill/>
-        </p:spPr>
-        <p:txBody>
-          <a:bodyPr wrap="none" rtlCol="0">
-            <a:spAutoFit/>
-          </a:bodyPr>
-          <a:lstStyle/>
-          <a:p>
-            <a:r>
-              <a:rPr lang="en-US" altLang="ko-KR" dirty="0"/>
-              <a:t>Hispanic, Latino</a:t>
-            </a:r>
-            <a:endParaRPr lang="ko-KR" altLang="en-US" dirty="0"/>
-          </a:p>
-        </p:txBody>
-      </p:sp>
-      <p:sp>
-        <p:nvSpPr>
-          <p:cNvPr id="15" name="TextBox 14">
-            <a:extLst>
-              <a:ext uri="{FF2B5EF4-FFF2-40B4-BE49-F238E27FC236}">
-                <a16:creationId xmlns:a16="http://schemas.microsoft.com/office/drawing/2014/main" id="{E024D002-1FD1-4567-B3EA-617392C015AA}"/>
-              </a:ext>
-            </a:extLst>
-          </p:cNvPr>
-          <p:cNvSpPr txBox="1"/>
-          <p:nvPr/>
-        </p:nvSpPr>
-        <p:spPr>
-          <a:xfrm>
-            <a:off x="6526561" y="3833504"/>
-            <a:ext cx="3257238" cy="369332"/>
-          </a:xfrm>
-          <a:prstGeom prst="rect">
-            <a:avLst/>
-          </a:prstGeom>
-          <a:noFill/>
-        </p:spPr>
-        <p:txBody>
-          <a:bodyPr wrap="none" rtlCol="0">
-            <a:spAutoFit/>
-          </a:bodyPr>
-          <a:lstStyle/>
-          <a:p>
-            <a:r>
-              <a:rPr lang="en-US" altLang="ko-KR" dirty="0"/>
-              <a:t>White, not Hispanic or Latino</a:t>
+              <a:t>Group by info</a:t>
             </a:r>
             <a:endParaRPr lang="ko-KR" altLang="en-US" dirty="0"/>
           </a:p>
@@ -3875,7 +3702,7 @@
     </p:spTree>
     <p:extLst>
       <p:ext uri="{BB962C8B-B14F-4D97-AF65-F5344CB8AC3E}">
-        <p14:creationId xmlns:p14="http://schemas.microsoft.com/office/powerpoint/2010/main" val="220699519"/>
+        <p14:creationId xmlns:p14="http://schemas.microsoft.com/office/powerpoint/2010/main" val="3219245237"/>
       </p:ext>
     </p:extLst>
   </p:cSld>
@@ -3907,7 +3734,7 @@
           <p:cNvPr id="4" name="TextBox 3">
             <a:extLst>
               <a:ext uri="{FF2B5EF4-FFF2-40B4-BE49-F238E27FC236}">
-                <a16:creationId xmlns:a16="http://schemas.microsoft.com/office/drawing/2014/main" id="{895916A8-7094-4E36-96C3-49122712B620}"/>
+                <a16:creationId xmlns:a16="http://schemas.microsoft.com/office/drawing/2014/main" id="{44DE2642-4379-4435-84E1-75DDCEDB87E5}"/>
               </a:ext>
             </a:extLst>
           </p:cNvPr>
@@ -3917,7 +3744,7 @@
         <p:spPr>
           <a:xfrm>
             <a:off x="287867" y="220134"/>
-            <a:ext cx="1701556" cy="523220"/>
+            <a:ext cx="1420453" cy="523220"/>
           </a:xfrm>
           <a:prstGeom prst="rect">
             <a:avLst/>
@@ -3932,7 +3759,7 @@
           <a:p>
             <a:r>
               <a:rPr lang="en-US" altLang="ko-KR" sz="2800" b="1" dirty="0"/>
-              <a:t>RHI+SEX</a:t>
+              <a:t>F-score</a:t>
             </a:r>
             <a:endParaRPr lang="ko-KR" altLang="en-US" sz="2800" b="1" dirty="0"/>
           </a:p>
@@ -3940,10 +3767,10 @@
       </p:sp>
       <p:pic>
         <p:nvPicPr>
-          <p:cNvPr id="2" name="그림 1">
-            <a:extLst>
-              <a:ext uri="{FF2B5EF4-FFF2-40B4-BE49-F238E27FC236}">
-                <a16:creationId xmlns:a16="http://schemas.microsoft.com/office/drawing/2014/main" id="{95BE4818-9960-4340-8223-EC5D564804F2}"/>
+          <p:cNvPr id="5" name="그림 4">
+            <a:extLst>
+              <a:ext uri="{FF2B5EF4-FFF2-40B4-BE49-F238E27FC236}">
+                <a16:creationId xmlns:a16="http://schemas.microsoft.com/office/drawing/2014/main" id="{26B67897-BC2E-4F77-B638-A5E33DF7635A}"/>
               </a:ext>
             </a:extLst>
           </p:cNvPr>
@@ -3960,20 +3787,158 @@
         </p:blipFill>
         <p:spPr>
           <a:xfrm>
-            <a:off x="287867" y="1069445"/>
-            <a:ext cx="6533063" cy="1487029"/>
+            <a:off x="2640541" y="743354"/>
+            <a:ext cx="2914650" cy="4229100"/>
           </a:xfrm>
           <a:prstGeom prst="rect">
             <a:avLst/>
           </a:prstGeom>
         </p:spPr>
       </p:pic>
+      <p:sp>
+        <p:nvSpPr>
+          <p:cNvPr id="6" name="타원 5">
+            <a:extLst>
+              <a:ext uri="{FF2B5EF4-FFF2-40B4-BE49-F238E27FC236}">
+                <a16:creationId xmlns:a16="http://schemas.microsoft.com/office/drawing/2014/main" id="{DE095A28-7EC3-455E-A105-345BC8AF733F}"/>
+              </a:ext>
+            </a:extLst>
+          </p:cNvPr>
+          <p:cNvSpPr/>
+          <p:nvPr/>
+        </p:nvSpPr>
+        <p:spPr>
+          <a:xfrm>
+            <a:off x="3962895" y="5505047"/>
+            <a:ext cx="135467" cy="135467"/>
+          </a:xfrm>
+          <a:prstGeom prst="ellipse">
+            <a:avLst/>
+          </a:prstGeom>
+        </p:spPr>
+        <p:style>
+          <a:lnRef idx="2">
+            <a:schemeClr val="dk1">
+              <a:shade val="50000"/>
+            </a:schemeClr>
+          </a:lnRef>
+          <a:fillRef idx="1">
+            <a:schemeClr val="dk1"/>
+          </a:fillRef>
+          <a:effectRef idx="0">
+            <a:schemeClr val="dk1"/>
+          </a:effectRef>
+          <a:fontRef idx="minor">
+            <a:schemeClr val="lt1"/>
+          </a:fontRef>
+        </p:style>
+        <p:txBody>
+          <a:bodyPr rtlCol="0" anchor="ctr"/>
+          <a:lstStyle/>
+          <a:p>
+            <a:pPr algn="ctr"/>
+            <a:endParaRPr lang="ko-KR" altLang="en-US"/>
+          </a:p>
+        </p:txBody>
+      </p:sp>
+      <p:sp>
+        <p:nvSpPr>
+          <p:cNvPr id="7" name="타원 6">
+            <a:extLst>
+              <a:ext uri="{FF2B5EF4-FFF2-40B4-BE49-F238E27FC236}">
+                <a16:creationId xmlns:a16="http://schemas.microsoft.com/office/drawing/2014/main" id="{3FE87B4E-EE95-4729-94E7-95954FB0E277}"/>
+              </a:ext>
+            </a:extLst>
+          </p:cNvPr>
+          <p:cNvSpPr/>
+          <p:nvPr/>
+        </p:nvSpPr>
+        <p:spPr>
+          <a:xfrm>
+            <a:off x="3962895" y="5742113"/>
+            <a:ext cx="135467" cy="135467"/>
+          </a:xfrm>
+          <a:prstGeom prst="ellipse">
+            <a:avLst/>
+          </a:prstGeom>
+        </p:spPr>
+        <p:style>
+          <a:lnRef idx="2">
+            <a:schemeClr val="dk1">
+              <a:shade val="50000"/>
+            </a:schemeClr>
+          </a:lnRef>
+          <a:fillRef idx="1">
+            <a:schemeClr val="dk1"/>
+          </a:fillRef>
+          <a:effectRef idx="0">
+            <a:schemeClr val="dk1"/>
+          </a:effectRef>
+          <a:fontRef idx="minor">
+            <a:schemeClr val="lt1"/>
+          </a:fontRef>
+        </p:style>
+        <p:txBody>
+          <a:bodyPr rtlCol="0" anchor="ctr"/>
+          <a:lstStyle/>
+          <a:p>
+            <a:pPr algn="ctr"/>
+            <a:endParaRPr lang="ko-KR" altLang="en-US"/>
+          </a:p>
+        </p:txBody>
+      </p:sp>
+      <p:sp>
+        <p:nvSpPr>
+          <p:cNvPr id="8" name="타원 7">
+            <a:extLst>
+              <a:ext uri="{FF2B5EF4-FFF2-40B4-BE49-F238E27FC236}">
+                <a16:creationId xmlns:a16="http://schemas.microsoft.com/office/drawing/2014/main" id="{E15A26C8-1DF4-4F86-92D7-588ABB2F6F37}"/>
+              </a:ext>
+            </a:extLst>
+          </p:cNvPr>
+          <p:cNvSpPr/>
+          <p:nvPr/>
+        </p:nvSpPr>
+        <p:spPr>
+          <a:xfrm>
+            <a:off x="3962895" y="5979179"/>
+            <a:ext cx="135467" cy="135467"/>
+          </a:xfrm>
+          <a:prstGeom prst="ellipse">
+            <a:avLst/>
+          </a:prstGeom>
+        </p:spPr>
+        <p:style>
+          <a:lnRef idx="2">
+            <a:schemeClr val="dk1">
+              <a:shade val="50000"/>
+            </a:schemeClr>
+          </a:lnRef>
+          <a:fillRef idx="1">
+            <a:schemeClr val="dk1"/>
+          </a:fillRef>
+          <a:effectRef idx="0">
+            <a:schemeClr val="dk1"/>
+          </a:effectRef>
+          <a:fontRef idx="minor">
+            <a:schemeClr val="lt1"/>
+          </a:fontRef>
+        </p:style>
+        <p:txBody>
+          <a:bodyPr rtlCol="0" anchor="ctr"/>
+          <a:lstStyle/>
+          <a:p>
+            <a:pPr algn="ctr"/>
+            <a:endParaRPr lang="ko-KR" altLang="en-US"/>
+          </a:p>
+        </p:txBody>
+      </p:sp>
       <p:pic>
         <p:nvPicPr>
-          <p:cNvPr id="3" name="그림 2">
-            <a:extLst>
-              <a:ext uri="{FF2B5EF4-FFF2-40B4-BE49-F238E27FC236}">
-                <a16:creationId xmlns:a16="http://schemas.microsoft.com/office/drawing/2014/main" id="{8902AB72-4CD7-475B-B23F-B1F3F6FF508B}"/>
+          <p:cNvPr id="9" name="그림 8">
+            <a:extLst>
+              <a:ext uri="{FF2B5EF4-FFF2-40B4-BE49-F238E27FC236}">
+                <a16:creationId xmlns:a16="http://schemas.microsoft.com/office/drawing/2014/main" id="{1461FA13-1E26-4CE4-8010-DC41E3966B05}"/>
               </a:ext>
             </a:extLst>
           </p:cNvPr>
@@ -3990,8 +3955,8 @@
         </p:blipFill>
         <p:spPr>
           <a:xfrm>
-            <a:off x="4857750" y="3754437"/>
-            <a:ext cx="7050104" cy="2871531"/>
+            <a:off x="8093640" y="712303"/>
+            <a:ext cx="1473872" cy="5778851"/>
           </a:xfrm>
           <a:prstGeom prst="rect">
             <a:avLst/>
@@ -4000,10 +3965,10 @@
       </p:pic>
       <p:sp>
         <p:nvSpPr>
-          <p:cNvPr id="5" name="TextBox 4">
-            <a:extLst>
-              <a:ext uri="{FF2B5EF4-FFF2-40B4-BE49-F238E27FC236}">
-                <a16:creationId xmlns:a16="http://schemas.microsoft.com/office/drawing/2014/main" id="{552D5FAB-C857-48FA-80F3-EFFC4289CD36}"/>
+          <p:cNvPr id="10" name="TextBox 9">
+            <a:extLst>
+              <a:ext uri="{FF2B5EF4-FFF2-40B4-BE49-F238E27FC236}">
+                <a16:creationId xmlns:a16="http://schemas.microsoft.com/office/drawing/2014/main" id="{0D0300BF-3EA1-4DE4-9281-72E214C8A81D}"/>
               </a:ext>
             </a:extLst>
           </p:cNvPr>
@@ -4012,8 +3977,8 @@
         </p:nvSpPr>
         <p:spPr>
           <a:xfrm>
-            <a:off x="343556" y="2187142"/>
-            <a:ext cx="1794017" cy="369332"/>
+            <a:off x="9831945" y="3632274"/>
+            <a:ext cx="458780" cy="369332"/>
           </a:xfrm>
           <a:prstGeom prst="rect">
             <a:avLst/>
@@ -4028,7 +3993,7 @@
           <a:p>
             <a:r>
               <a:rPr lang="en-US" altLang="ko-KR" dirty="0"/>
-              <a:t>Female percent</a:t>
+              <a:t>MI</a:t>
             </a:r>
             <a:endParaRPr lang="ko-KR" altLang="en-US" dirty="0"/>
           </a:p>
@@ -4037,7 +4002,7 @@
     </p:spTree>
     <p:extLst>
       <p:ext uri="{BB962C8B-B14F-4D97-AF65-F5344CB8AC3E}">
-        <p14:creationId xmlns:p14="http://schemas.microsoft.com/office/powerpoint/2010/main" val="31990738"/>
+        <p14:creationId xmlns:p14="http://schemas.microsoft.com/office/powerpoint/2010/main" val="1011528257"/>
       </p:ext>
     </p:extLst>
   </p:cSld>
@@ -4079,7 +4044,7 @@
         <p:spPr>
           <a:xfrm>
             <a:off x="287867" y="220134"/>
-            <a:ext cx="1765804" cy="523220"/>
+            <a:ext cx="805029" cy="523220"/>
           </a:xfrm>
           <a:prstGeom prst="rect">
             <a:avLst/>
@@ -4093,8 +4058,8 @@
           <a:lstStyle/>
           <a:p>
             <a:r>
-              <a:rPr lang="en-US" altLang="ko-KR" sz="2800" b="1"/>
-              <a:t>RHI+AGE</a:t>
+              <a:rPr lang="en-US" altLang="ko-KR" sz="2800" b="1" dirty="0"/>
+              <a:t>RHI</a:t>
             </a:r>
             <a:endParaRPr lang="ko-KR" altLang="en-US" sz="2800" b="1" dirty="0"/>
           </a:p>
@@ -4105,7 +4070,7 @@
           <p:cNvPr id="5" name="그림 4">
             <a:extLst>
               <a:ext uri="{FF2B5EF4-FFF2-40B4-BE49-F238E27FC236}">
-                <a16:creationId xmlns:a16="http://schemas.microsoft.com/office/drawing/2014/main" id="{C843BA05-F053-4393-9EBC-CCA3A93371C2}"/>
+                <a16:creationId xmlns:a16="http://schemas.microsoft.com/office/drawing/2014/main" id="{421A5550-A42E-4052-903C-F7D12B8A7713}"/>
               </a:ext>
             </a:extLst>
           </p:cNvPr>
@@ -4122,8 +4087,8 @@
         </p:blipFill>
         <p:spPr>
           <a:xfrm>
-            <a:off x="287867" y="998323"/>
-            <a:ext cx="5446755" cy="4079171"/>
+            <a:off x="1517897" y="440266"/>
+            <a:ext cx="4976283" cy="3780683"/>
           </a:xfrm>
           <a:prstGeom prst="rect">
             <a:avLst/>
@@ -4132,10 +4097,10 @@
       </p:pic>
       <p:pic>
         <p:nvPicPr>
-          <p:cNvPr id="7" name="그림 6">
-            <a:extLst>
-              <a:ext uri="{FF2B5EF4-FFF2-40B4-BE49-F238E27FC236}">
-                <a16:creationId xmlns:a16="http://schemas.microsoft.com/office/drawing/2014/main" id="{A23DB6ED-7DF9-4BF2-9B4E-A076551E4F1B}"/>
+          <p:cNvPr id="6" name="그림 5">
+            <a:extLst>
+              <a:ext uri="{FF2B5EF4-FFF2-40B4-BE49-F238E27FC236}">
+                <a16:creationId xmlns:a16="http://schemas.microsoft.com/office/drawing/2014/main" id="{0BDBC49F-687E-48C6-B4D8-EA8092A43838}"/>
               </a:ext>
             </a:extLst>
           </p:cNvPr>
@@ -4152,20 +4117,80 @@
         </p:blipFill>
         <p:spPr>
           <a:xfrm>
-            <a:off x="5731231" y="4295560"/>
-            <a:ext cx="6238216" cy="2562440"/>
+            <a:off x="6494180" y="481744"/>
+            <a:ext cx="5075967" cy="3780682"/>
           </a:xfrm>
           <a:prstGeom prst="rect">
             <a:avLst/>
           </a:prstGeom>
         </p:spPr>
       </p:pic>
-      <p:sp>
-        <p:nvSpPr>
-          <p:cNvPr id="6" name="TextBox 5">
-            <a:extLst>
-              <a:ext uri="{FF2B5EF4-FFF2-40B4-BE49-F238E27FC236}">
-                <a16:creationId xmlns:a16="http://schemas.microsoft.com/office/drawing/2014/main" id="{FFAD53F2-15BB-46CF-8A1B-8F7A22C74FE6}"/>
+      <p:pic>
+        <p:nvPicPr>
+          <p:cNvPr id="7" name="그림 6">
+            <a:extLst>
+              <a:ext uri="{FF2B5EF4-FFF2-40B4-BE49-F238E27FC236}">
+                <a16:creationId xmlns:a16="http://schemas.microsoft.com/office/drawing/2014/main" id="{D99BC333-EEA4-4F73-90D4-7FFB11A1F209}"/>
+              </a:ext>
+            </a:extLst>
+          </p:cNvPr>
+          <p:cNvPicPr>
+            <a:picLocks noChangeAspect="1"/>
+          </p:cNvPicPr>
+          <p:nvPr/>
+        </p:nvPicPr>
+        <p:blipFill>
+          <a:blip r:embed="rId4"/>
+          <a:stretch>
+            <a:fillRect/>
+          </a:stretch>
+        </p:blipFill>
+        <p:spPr>
+          <a:xfrm>
+            <a:off x="1517897" y="3942537"/>
+            <a:ext cx="4976283" cy="2455546"/>
+          </a:xfrm>
+          <a:prstGeom prst="rect">
+            <a:avLst/>
+          </a:prstGeom>
+        </p:spPr>
+      </p:pic>
+      <p:pic>
+        <p:nvPicPr>
+          <p:cNvPr id="8" name="그림 7">
+            <a:extLst>
+              <a:ext uri="{FF2B5EF4-FFF2-40B4-BE49-F238E27FC236}">
+                <a16:creationId xmlns:a16="http://schemas.microsoft.com/office/drawing/2014/main" id="{BBA9BC81-8C21-48D7-A147-EA6B8062AE9F}"/>
+              </a:ext>
+            </a:extLst>
+          </p:cNvPr>
+          <p:cNvPicPr>
+            <a:picLocks noChangeAspect="1"/>
+          </p:cNvPicPr>
+          <p:nvPr/>
+        </p:nvPicPr>
+        <p:blipFill>
+          <a:blip r:embed="rId5"/>
+          <a:stretch>
+            <a:fillRect/>
+          </a:stretch>
+        </p:blipFill>
+        <p:spPr>
+          <a:xfrm>
+            <a:off x="7114967" y="4636909"/>
+            <a:ext cx="4770644" cy="1913573"/>
+          </a:xfrm>
+          <a:prstGeom prst="rect">
+            <a:avLst/>
+          </a:prstGeom>
+        </p:spPr>
+      </p:pic>
+      <p:sp>
+        <p:nvSpPr>
+          <p:cNvPr id="2" name="TextBox 1">
+            <a:extLst>
+              <a:ext uri="{FF2B5EF4-FFF2-40B4-BE49-F238E27FC236}">
+                <a16:creationId xmlns:a16="http://schemas.microsoft.com/office/drawing/2014/main" id="{EB184EE1-391A-45AB-94FA-9280AAFD195F}"/>
               </a:ext>
             </a:extLst>
           </p:cNvPr>
@@ -4174,8 +4199,8 @@
         </p:nvSpPr>
         <p:spPr>
           <a:xfrm>
-            <a:off x="287867" y="1974573"/>
-            <a:ext cx="1084011" cy="369332"/>
+            <a:off x="1517897" y="1268287"/>
+            <a:ext cx="795089" cy="369332"/>
           </a:xfrm>
           <a:prstGeom prst="rect">
             <a:avLst/>
@@ -4183,14 +4208,14 @@
           <a:noFill/>
         </p:spPr>
         <p:txBody>
-          <a:bodyPr wrap="square" rtlCol="0">
+          <a:bodyPr wrap="none" rtlCol="0">
             <a:spAutoFit/>
           </a:bodyPr>
           <a:lstStyle/>
           <a:p>
             <a:r>
               <a:rPr lang="en-US" altLang="ko-KR" dirty="0"/>
-              <a:t>Under 5</a:t>
+              <a:t>White</a:t>
             </a:r>
             <a:endParaRPr lang="ko-KR" altLang="en-US" dirty="0"/>
           </a:p>
@@ -4198,10 +4223,10 @@
       </p:sp>
       <p:sp>
         <p:nvSpPr>
-          <p:cNvPr id="8" name="TextBox 7">
-            <a:extLst>
-              <a:ext uri="{FF2B5EF4-FFF2-40B4-BE49-F238E27FC236}">
-                <a16:creationId xmlns:a16="http://schemas.microsoft.com/office/drawing/2014/main" id="{13090D49-1971-4BCA-90E5-45ADF94D930F}"/>
+          <p:cNvPr id="9" name="TextBox 8">
+            <a:extLst>
+              <a:ext uri="{FF2B5EF4-FFF2-40B4-BE49-F238E27FC236}">
+                <a16:creationId xmlns:a16="http://schemas.microsoft.com/office/drawing/2014/main" id="{2512E998-D1D5-4F2C-92B5-610629D89D98}"/>
               </a:ext>
             </a:extLst>
           </p:cNvPr>
@@ -4210,8 +4235,8 @@
         </p:nvSpPr>
         <p:spPr>
           <a:xfrm>
-            <a:off x="222503" y="3244334"/>
-            <a:ext cx="1831168" cy="369332"/>
+            <a:off x="1517897" y="2372085"/>
+            <a:ext cx="2892138" cy="369332"/>
           </a:xfrm>
           <a:prstGeom prst="rect">
             <a:avLst/>
@@ -4219,14 +4244,14 @@
           <a:noFill/>
         </p:spPr>
         <p:txBody>
-          <a:bodyPr wrap="square" rtlCol="0">
+          <a:bodyPr wrap="none" rtlCol="0">
             <a:spAutoFit/>
           </a:bodyPr>
           <a:lstStyle/>
           <a:p>
             <a:r>
               <a:rPr lang="en-US" altLang="ko-KR" dirty="0"/>
-              <a:t>Under 18</a:t>
+              <a:t>Black or African American</a:t>
             </a:r>
             <a:endParaRPr lang="ko-KR" altLang="en-US" dirty="0"/>
           </a:p>
@@ -4234,10 +4259,10 @@
       </p:sp>
       <p:sp>
         <p:nvSpPr>
-          <p:cNvPr id="9" name="TextBox 8">
-            <a:extLst>
-              <a:ext uri="{FF2B5EF4-FFF2-40B4-BE49-F238E27FC236}">
-                <a16:creationId xmlns:a16="http://schemas.microsoft.com/office/drawing/2014/main" id="{94CB8D55-03F0-4A3C-945E-5D02B2B2FF3B}"/>
+          <p:cNvPr id="10" name="TextBox 9">
+            <a:extLst>
+              <a:ext uri="{FF2B5EF4-FFF2-40B4-BE49-F238E27FC236}">
+                <a16:creationId xmlns:a16="http://schemas.microsoft.com/office/drawing/2014/main" id="{EA86280A-48E0-44A3-9434-533562DA0E67}"/>
               </a:ext>
             </a:extLst>
           </p:cNvPr>
@@ -4246,8 +4271,8 @@
         </p:nvSpPr>
         <p:spPr>
           <a:xfrm>
-            <a:off x="222503" y="4475553"/>
-            <a:ext cx="1831168" cy="369332"/>
+            <a:off x="1517897" y="3475883"/>
+            <a:ext cx="3394006" cy="369332"/>
           </a:xfrm>
           <a:prstGeom prst="rect">
             <a:avLst/>
@@ -4255,14 +4280,194 @@
           <a:noFill/>
         </p:spPr>
         <p:txBody>
-          <a:bodyPr wrap="square" rtlCol="0">
+          <a:bodyPr wrap="none" rtlCol="0">
             <a:spAutoFit/>
           </a:bodyPr>
           <a:lstStyle/>
           <a:p>
             <a:r>
               <a:rPr lang="en-US" altLang="ko-KR" dirty="0"/>
-              <a:t>65 and over</a:t>
+              <a:t>American Indian, Alaska native</a:t>
+            </a:r>
+            <a:endParaRPr lang="ko-KR" altLang="en-US" dirty="0"/>
+          </a:p>
+        </p:txBody>
+      </p:sp>
+      <p:sp>
+        <p:nvSpPr>
+          <p:cNvPr id="11" name="TextBox 10">
+            <a:extLst>
+              <a:ext uri="{FF2B5EF4-FFF2-40B4-BE49-F238E27FC236}">
+                <a16:creationId xmlns:a16="http://schemas.microsoft.com/office/drawing/2014/main" id="{1D22FECE-4994-4D92-8718-DF9AF57437EE}"/>
+              </a:ext>
+            </a:extLst>
+          </p:cNvPr>
+          <p:cNvSpPr txBox="1"/>
+          <p:nvPr/>
+        </p:nvSpPr>
+        <p:spPr>
+          <a:xfrm>
+            <a:off x="1517897" y="4679638"/>
+            <a:ext cx="745717" cy="369332"/>
+          </a:xfrm>
+          <a:prstGeom prst="rect">
+            <a:avLst/>
+          </a:prstGeom>
+          <a:noFill/>
+        </p:spPr>
+        <p:txBody>
+          <a:bodyPr wrap="none" rtlCol="0">
+            <a:spAutoFit/>
+          </a:bodyPr>
+          <a:lstStyle/>
+          <a:p>
+            <a:r>
+              <a:rPr lang="en-US" altLang="ko-KR" dirty="0"/>
+              <a:t>Asian</a:t>
+            </a:r>
+            <a:endParaRPr lang="ko-KR" altLang="en-US" dirty="0"/>
+          </a:p>
+        </p:txBody>
+      </p:sp>
+      <p:sp>
+        <p:nvSpPr>
+          <p:cNvPr id="12" name="TextBox 11">
+            <a:extLst>
+              <a:ext uri="{FF2B5EF4-FFF2-40B4-BE49-F238E27FC236}">
+                <a16:creationId xmlns:a16="http://schemas.microsoft.com/office/drawing/2014/main" id="{35A1A953-CA76-48CF-866E-F54A85957E2D}"/>
+              </a:ext>
+            </a:extLst>
+          </p:cNvPr>
+          <p:cNvSpPr txBox="1"/>
+          <p:nvPr/>
+        </p:nvSpPr>
+        <p:spPr>
+          <a:xfrm>
+            <a:off x="1517897" y="5968102"/>
+            <a:ext cx="3679212" cy="369332"/>
+          </a:xfrm>
+          <a:prstGeom prst="rect">
+            <a:avLst/>
+          </a:prstGeom>
+          <a:noFill/>
+        </p:spPr>
+        <p:txBody>
+          <a:bodyPr wrap="none" rtlCol="0">
+            <a:spAutoFit/>
+          </a:bodyPr>
+          <a:lstStyle/>
+          <a:p>
+            <a:r>
+              <a:rPr lang="en-US" altLang="ko-KR" dirty="0"/>
+              <a:t>Native Hawaiian, pacific islander</a:t>
+            </a:r>
+            <a:endParaRPr lang="ko-KR" altLang="en-US" dirty="0"/>
+          </a:p>
+        </p:txBody>
+      </p:sp>
+      <p:sp>
+        <p:nvSpPr>
+          <p:cNvPr id="13" name="TextBox 12">
+            <a:extLst>
+              <a:ext uri="{FF2B5EF4-FFF2-40B4-BE49-F238E27FC236}">
+                <a16:creationId xmlns:a16="http://schemas.microsoft.com/office/drawing/2014/main" id="{B1C7BBD2-647B-45AC-B95E-45FA5043B3E3}"/>
+              </a:ext>
+            </a:extLst>
+          </p:cNvPr>
+          <p:cNvSpPr txBox="1"/>
+          <p:nvPr/>
+        </p:nvSpPr>
+        <p:spPr>
+          <a:xfrm>
+            <a:off x="6494180" y="1268287"/>
+            <a:ext cx="2210798" cy="369332"/>
+          </a:xfrm>
+          <a:prstGeom prst="rect">
+            <a:avLst/>
+          </a:prstGeom>
+          <a:noFill/>
+        </p:spPr>
+        <p:txBody>
+          <a:bodyPr wrap="none" rtlCol="0">
+            <a:spAutoFit/>
+          </a:bodyPr>
+          <a:lstStyle/>
+          <a:p>
+            <a:r>
+              <a:rPr lang="en-US" altLang="ko-KR" dirty="0"/>
+              <a:t>Two or More Races</a:t>
+            </a:r>
+            <a:endParaRPr lang="ko-KR" altLang="en-US" dirty="0"/>
+          </a:p>
+        </p:txBody>
+      </p:sp>
+      <p:sp>
+        <p:nvSpPr>
+          <p:cNvPr id="14" name="TextBox 13">
+            <a:extLst>
+              <a:ext uri="{FF2B5EF4-FFF2-40B4-BE49-F238E27FC236}">
+                <a16:creationId xmlns:a16="http://schemas.microsoft.com/office/drawing/2014/main" id="{26D88FD5-4967-47F1-8688-93A31FC07240}"/>
+              </a:ext>
+            </a:extLst>
+          </p:cNvPr>
+          <p:cNvSpPr txBox="1"/>
+          <p:nvPr/>
+        </p:nvSpPr>
+        <p:spPr>
+          <a:xfrm>
+            <a:off x="6527304" y="2396024"/>
+            <a:ext cx="1830886" cy="369332"/>
+          </a:xfrm>
+          <a:prstGeom prst="rect">
+            <a:avLst/>
+          </a:prstGeom>
+          <a:noFill/>
+        </p:spPr>
+        <p:txBody>
+          <a:bodyPr wrap="none" rtlCol="0">
+            <a:spAutoFit/>
+          </a:bodyPr>
+          <a:lstStyle/>
+          <a:p>
+            <a:r>
+              <a:rPr lang="en-US" altLang="ko-KR" dirty="0"/>
+              <a:t>Hispanic, Latino</a:t>
+            </a:r>
+            <a:endParaRPr lang="ko-KR" altLang="en-US" dirty="0"/>
+          </a:p>
+        </p:txBody>
+      </p:sp>
+      <p:sp>
+        <p:nvSpPr>
+          <p:cNvPr id="15" name="TextBox 14">
+            <a:extLst>
+              <a:ext uri="{FF2B5EF4-FFF2-40B4-BE49-F238E27FC236}">
+                <a16:creationId xmlns:a16="http://schemas.microsoft.com/office/drawing/2014/main" id="{E024D002-1FD1-4567-B3EA-617392C015AA}"/>
+              </a:ext>
+            </a:extLst>
+          </p:cNvPr>
+          <p:cNvSpPr txBox="1"/>
+          <p:nvPr/>
+        </p:nvSpPr>
+        <p:spPr>
+          <a:xfrm>
+            <a:off x="6526561" y="3833504"/>
+            <a:ext cx="3257238" cy="369332"/>
+          </a:xfrm>
+          <a:prstGeom prst="rect">
+            <a:avLst/>
+          </a:prstGeom>
+          <a:noFill/>
+        </p:spPr>
+        <p:txBody>
+          <a:bodyPr wrap="none" rtlCol="0">
+            <a:spAutoFit/>
+          </a:bodyPr>
+          <a:lstStyle/>
+          <a:p>
+            <a:r>
+              <a:rPr lang="en-US" altLang="ko-KR" dirty="0"/>
+              <a:t>White, not Hispanic or Latino</a:t>
             </a:r>
             <a:endParaRPr lang="ko-KR" altLang="en-US" dirty="0"/>
           </a:p>
@@ -4271,7 +4476,7 @@
     </p:spTree>
     <p:extLst>
       <p:ext uri="{BB962C8B-B14F-4D97-AF65-F5344CB8AC3E}">
-        <p14:creationId xmlns:p14="http://schemas.microsoft.com/office/powerpoint/2010/main" val="2760564761"/>
+        <p14:creationId xmlns:p14="http://schemas.microsoft.com/office/powerpoint/2010/main" val="220699519"/>
       </p:ext>
     </p:extLst>
   </p:cSld>
@@ -4313,7 +4518,7 @@
         <p:spPr>
           <a:xfrm>
             <a:off x="287867" y="220134"/>
-            <a:ext cx="2662332" cy="523220"/>
+            <a:ext cx="1765804" cy="523220"/>
           </a:xfrm>
           <a:prstGeom prst="rect">
             <a:avLst/>
@@ -4327,8 +4532,8 @@
           <a:lstStyle/>
           <a:p>
             <a:r>
-              <a:rPr lang="en-US" altLang="ko-KR" sz="2800" b="1" dirty="0"/>
-              <a:t>RHI+AGE+SEX</a:t>
+              <a:rPr lang="en-US" altLang="ko-KR" sz="2800" b="1"/>
+              <a:t>RHI+AGE</a:t>
             </a:r>
             <a:endParaRPr lang="ko-KR" altLang="en-US" sz="2800" b="1" dirty="0"/>
           </a:p>
@@ -4336,10 +4541,10 @@
       </p:sp>
       <p:pic>
         <p:nvPicPr>
-          <p:cNvPr id="2" name="그림 1">
-            <a:extLst>
-              <a:ext uri="{FF2B5EF4-FFF2-40B4-BE49-F238E27FC236}">
-                <a16:creationId xmlns:a16="http://schemas.microsoft.com/office/drawing/2014/main" id="{8330897F-4D12-44FD-B329-C966F8511177}"/>
+          <p:cNvPr id="5" name="그림 4">
+            <a:extLst>
+              <a:ext uri="{FF2B5EF4-FFF2-40B4-BE49-F238E27FC236}">
+                <a16:creationId xmlns:a16="http://schemas.microsoft.com/office/drawing/2014/main" id="{C843BA05-F053-4393-9EBC-CCA3A93371C2}"/>
               </a:ext>
             </a:extLst>
           </p:cNvPr>
@@ -4356,18 +4561,156 @@
         </p:blipFill>
         <p:spPr>
           <a:xfrm>
-            <a:off x="4600775" y="3654583"/>
-            <a:ext cx="7371092" cy="2960860"/>
+            <a:off x="287867" y="998323"/>
+            <a:ext cx="5446755" cy="4079171"/>
           </a:xfrm>
           <a:prstGeom prst="rect">
             <a:avLst/>
           </a:prstGeom>
         </p:spPr>
       </p:pic>
+      <p:pic>
+        <p:nvPicPr>
+          <p:cNvPr id="7" name="그림 6">
+            <a:extLst>
+              <a:ext uri="{FF2B5EF4-FFF2-40B4-BE49-F238E27FC236}">
+                <a16:creationId xmlns:a16="http://schemas.microsoft.com/office/drawing/2014/main" id="{A23DB6ED-7DF9-4BF2-9B4E-A076551E4F1B}"/>
+              </a:ext>
+            </a:extLst>
+          </p:cNvPr>
+          <p:cNvPicPr>
+            <a:picLocks noChangeAspect="1"/>
+          </p:cNvPicPr>
+          <p:nvPr/>
+        </p:nvPicPr>
+        <p:blipFill>
+          <a:blip r:embed="rId3"/>
+          <a:stretch>
+            <a:fillRect/>
+          </a:stretch>
+        </p:blipFill>
+        <p:spPr>
+          <a:xfrm>
+            <a:off x="5731231" y="4295560"/>
+            <a:ext cx="6238216" cy="2562440"/>
+          </a:xfrm>
+          <a:prstGeom prst="rect">
+            <a:avLst/>
+          </a:prstGeom>
+        </p:spPr>
+      </p:pic>
+      <p:sp>
+        <p:nvSpPr>
+          <p:cNvPr id="6" name="TextBox 5">
+            <a:extLst>
+              <a:ext uri="{FF2B5EF4-FFF2-40B4-BE49-F238E27FC236}">
+                <a16:creationId xmlns:a16="http://schemas.microsoft.com/office/drawing/2014/main" id="{FFAD53F2-15BB-46CF-8A1B-8F7A22C74FE6}"/>
+              </a:ext>
+            </a:extLst>
+          </p:cNvPr>
+          <p:cNvSpPr txBox="1"/>
+          <p:nvPr/>
+        </p:nvSpPr>
+        <p:spPr>
+          <a:xfrm>
+            <a:off x="287867" y="1974573"/>
+            <a:ext cx="1084011" cy="369332"/>
+          </a:xfrm>
+          <a:prstGeom prst="rect">
+            <a:avLst/>
+          </a:prstGeom>
+          <a:noFill/>
+        </p:spPr>
+        <p:txBody>
+          <a:bodyPr wrap="square" rtlCol="0">
+            <a:spAutoFit/>
+          </a:bodyPr>
+          <a:lstStyle/>
+          <a:p>
+            <a:r>
+              <a:rPr lang="en-US" altLang="ko-KR" dirty="0"/>
+              <a:t>Under 5</a:t>
+            </a:r>
+            <a:endParaRPr lang="ko-KR" altLang="en-US" dirty="0"/>
+          </a:p>
+        </p:txBody>
+      </p:sp>
+      <p:sp>
+        <p:nvSpPr>
+          <p:cNvPr id="8" name="TextBox 7">
+            <a:extLst>
+              <a:ext uri="{FF2B5EF4-FFF2-40B4-BE49-F238E27FC236}">
+                <a16:creationId xmlns:a16="http://schemas.microsoft.com/office/drawing/2014/main" id="{13090D49-1971-4BCA-90E5-45ADF94D930F}"/>
+              </a:ext>
+            </a:extLst>
+          </p:cNvPr>
+          <p:cNvSpPr txBox="1"/>
+          <p:nvPr/>
+        </p:nvSpPr>
+        <p:spPr>
+          <a:xfrm>
+            <a:off x="222503" y="3244334"/>
+            <a:ext cx="1831168" cy="369332"/>
+          </a:xfrm>
+          <a:prstGeom prst="rect">
+            <a:avLst/>
+          </a:prstGeom>
+          <a:noFill/>
+        </p:spPr>
+        <p:txBody>
+          <a:bodyPr wrap="square" rtlCol="0">
+            <a:spAutoFit/>
+          </a:bodyPr>
+          <a:lstStyle/>
+          <a:p>
+            <a:r>
+              <a:rPr lang="en-US" altLang="ko-KR" dirty="0"/>
+              <a:t>Under 18</a:t>
+            </a:r>
+            <a:endParaRPr lang="ko-KR" altLang="en-US" dirty="0"/>
+          </a:p>
+        </p:txBody>
+      </p:sp>
+      <p:sp>
+        <p:nvSpPr>
+          <p:cNvPr id="9" name="TextBox 8">
+            <a:extLst>
+              <a:ext uri="{FF2B5EF4-FFF2-40B4-BE49-F238E27FC236}">
+                <a16:creationId xmlns:a16="http://schemas.microsoft.com/office/drawing/2014/main" id="{94CB8D55-03F0-4A3C-945E-5D02B2B2FF3B}"/>
+              </a:ext>
+            </a:extLst>
+          </p:cNvPr>
+          <p:cNvSpPr txBox="1"/>
+          <p:nvPr/>
+        </p:nvSpPr>
+        <p:spPr>
+          <a:xfrm>
+            <a:off x="222503" y="4475553"/>
+            <a:ext cx="1831168" cy="369332"/>
+          </a:xfrm>
+          <a:prstGeom prst="rect">
+            <a:avLst/>
+          </a:prstGeom>
+          <a:noFill/>
+        </p:spPr>
+        <p:txBody>
+          <a:bodyPr wrap="square" rtlCol="0">
+            <a:spAutoFit/>
+          </a:bodyPr>
+          <a:lstStyle/>
+          <a:p>
+            <a:r>
+              <a:rPr lang="en-US" altLang="ko-KR" dirty="0"/>
+              <a:t>65 and over</a:t>
+            </a:r>
+            <a:endParaRPr lang="ko-KR" altLang="en-US" dirty="0"/>
+          </a:p>
+        </p:txBody>
+      </p:sp>
     </p:spTree>
     <p:extLst>
       <p:ext uri="{BB962C8B-B14F-4D97-AF65-F5344CB8AC3E}">
-        <p14:creationId xmlns:p14="http://schemas.microsoft.com/office/powerpoint/2010/main" val="3898212873"/>
+        <p14:creationId xmlns:p14="http://schemas.microsoft.com/office/powerpoint/2010/main" val="2760564761"/>
       </p:ext>
     </p:extLst>
   </p:cSld>
@@ -4592,48 +4935,12 @@
           <a:chExt cx="0" cy="0"/>
         </a:xfrm>
       </p:grpSpPr>
-      <p:sp>
-        <p:nvSpPr>
-          <p:cNvPr id="6" name="TextBox 5">
-            <a:extLst>
-              <a:ext uri="{FF2B5EF4-FFF2-40B4-BE49-F238E27FC236}">
-                <a16:creationId xmlns:a16="http://schemas.microsoft.com/office/drawing/2014/main" id="{EF551B06-5E7A-4D48-83C7-3DBECC83E63D}"/>
-              </a:ext>
-            </a:extLst>
-          </p:cNvPr>
-          <p:cNvSpPr txBox="1"/>
-          <p:nvPr/>
-        </p:nvSpPr>
-        <p:spPr>
-          <a:xfrm>
-            <a:off x="287867" y="220134"/>
-            <a:ext cx="3644972" cy="523220"/>
-          </a:xfrm>
-          <a:prstGeom prst="rect">
-            <a:avLst/>
-          </a:prstGeom>
-          <a:noFill/>
-        </p:spPr>
-        <p:txBody>
-          <a:bodyPr wrap="none" rtlCol="0">
-            <a:spAutoFit/>
-          </a:bodyPr>
-          <a:lstStyle/>
-          <a:p>
-            <a:r>
-              <a:rPr lang="en-US" altLang="ko-KR" sz="2800" b="1" dirty="0"/>
-              <a:t>RHI+AGE+SEX+EDU</a:t>
-            </a:r>
-            <a:endParaRPr lang="ko-KR" altLang="en-US" sz="2800" b="1" dirty="0"/>
-          </a:p>
-        </p:txBody>
-      </p:sp>
       <p:pic>
         <p:nvPicPr>
-          <p:cNvPr id="2" name="그림 1">
-            <a:extLst>
-              <a:ext uri="{FF2B5EF4-FFF2-40B4-BE49-F238E27FC236}">
-                <a16:creationId xmlns:a16="http://schemas.microsoft.com/office/drawing/2014/main" id="{835BCAEF-A490-4F39-8370-9908DF9A1022}"/>
+          <p:cNvPr id="9" name="그림 8">
+            <a:extLst>
+              <a:ext uri="{FF2B5EF4-FFF2-40B4-BE49-F238E27FC236}">
+                <a16:creationId xmlns:a16="http://schemas.microsoft.com/office/drawing/2014/main" id="{FD9BCCC7-E45D-48B7-BDF8-F0F5F9F25FE3}"/>
               </a:ext>
             </a:extLst>
           </p:cNvPr>
@@ -4650,8 +4957,248 @@
         </p:blipFill>
         <p:spPr>
           <a:xfrm>
-            <a:off x="5308442" y="3952246"/>
-            <a:ext cx="6661273" cy="2634821"/>
+            <a:off x="602084" y="728133"/>
+            <a:ext cx="4635225" cy="5909733"/>
+          </a:xfrm>
+          <a:prstGeom prst="rect">
+            <a:avLst/>
+          </a:prstGeom>
+        </p:spPr>
+      </p:pic>
+      <p:sp>
+        <p:nvSpPr>
+          <p:cNvPr id="4" name="TextBox 3">
+            <a:extLst>
+              <a:ext uri="{FF2B5EF4-FFF2-40B4-BE49-F238E27FC236}">
+                <a16:creationId xmlns:a16="http://schemas.microsoft.com/office/drawing/2014/main" id="{895916A8-7094-4E36-96C3-49122712B620}"/>
+              </a:ext>
+            </a:extLst>
+          </p:cNvPr>
+          <p:cNvSpPr txBox="1"/>
+          <p:nvPr/>
+        </p:nvSpPr>
+        <p:spPr>
+          <a:xfrm>
+            <a:off x="287867" y="220134"/>
+            <a:ext cx="1802096" cy="523220"/>
+          </a:xfrm>
+          <a:prstGeom prst="rect">
+            <a:avLst/>
+          </a:prstGeom>
+          <a:noFill/>
+        </p:spPr>
+        <p:txBody>
+          <a:bodyPr wrap="none" rtlCol="0">
+            <a:spAutoFit/>
+          </a:bodyPr>
+          <a:lstStyle/>
+          <a:p>
+            <a:r>
+              <a:rPr lang="en-US" altLang="ko-KR" sz="2800" b="1"/>
+              <a:t>RHI+HSG</a:t>
+            </a:r>
+            <a:endParaRPr lang="ko-KR" altLang="en-US" sz="2800" b="1" dirty="0"/>
+          </a:p>
+        </p:txBody>
+      </p:sp>
+      <p:pic>
+        <p:nvPicPr>
+          <p:cNvPr id="2" name="그림 1">
+            <a:extLst>
+              <a:ext uri="{FF2B5EF4-FFF2-40B4-BE49-F238E27FC236}">
+                <a16:creationId xmlns:a16="http://schemas.microsoft.com/office/drawing/2014/main" id="{8D594DBB-7F9A-43D1-8E8E-EF7ADF04A75A}"/>
+              </a:ext>
+            </a:extLst>
+          </p:cNvPr>
+          <p:cNvPicPr>
+            <a:picLocks noChangeAspect="1"/>
+          </p:cNvPicPr>
+          <p:nvPr/>
+        </p:nvPicPr>
+        <p:blipFill>
+          <a:blip r:embed="rId3"/>
+          <a:stretch>
+            <a:fillRect/>
+          </a:stretch>
+        </p:blipFill>
+        <p:spPr>
+          <a:xfrm>
+            <a:off x="5738282" y="4085907"/>
+            <a:ext cx="6211971" cy="2442910"/>
+          </a:xfrm>
+          <a:prstGeom prst="rect">
+            <a:avLst/>
+          </a:prstGeom>
+        </p:spPr>
+      </p:pic>
+      <p:sp>
+        <p:nvSpPr>
+          <p:cNvPr id="8" name="직사각형 7">
+            <a:extLst>
+              <a:ext uri="{FF2B5EF4-FFF2-40B4-BE49-F238E27FC236}">
+                <a16:creationId xmlns:a16="http://schemas.microsoft.com/office/drawing/2014/main" id="{10529A81-D24E-4D45-8832-278C4D50BE9C}"/>
+              </a:ext>
+            </a:extLst>
+          </p:cNvPr>
+          <p:cNvSpPr/>
+          <p:nvPr/>
+        </p:nvSpPr>
+        <p:spPr>
+          <a:xfrm>
+            <a:off x="3969563" y="1311477"/>
+            <a:ext cx="8798170" cy="1200329"/>
+          </a:xfrm>
+          <a:prstGeom prst="rect">
+            <a:avLst/>
+          </a:prstGeom>
+        </p:spPr>
+        <p:txBody>
+          <a:bodyPr wrap="square">
+            <a:spAutoFit/>
+          </a:bodyPr>
+          <a:lstStyle/>
+          <a:p>
+            <a:r>
+              <a:rPr lang="en-US" altLang="ko-KR">
+                <a:solidFill>
+                  <a:srgbClr val="000000"/>
+                </a:solidFill>
+                <a:latin typeface="맑은 고딕" panose="020B0503020000020004" pitchFamily="50" charset="-127"/>
+              </a:rPr>
+              <a:t>HSG010214	Housing units, 2014	</a:t>
+            </a:r>
+          </a:p>
+          <a:p>
+            <a:r>
+              <a:rPr lang="en-US" altLang="ko-KR">
+                <a:solidFill>
+                  <a:srgbClr val="000000"/>
+                </a:solidFill>
+                <a:latin typeface="맑은 고딕" panose="020B0503020000020004" pitchFamily="50" charset="-127"/>
+              </a:rPr>
+              <a:t>HSG445213	Homeownership rate, 2009-2013	</a:t>
+            </a:r>
+          </a:p>
+          <a:p>
+            <a:r>
+              <a:rPr lang="en-US" altLang="ko-KR">
+                <a:solidFill>
+                  <a:srgbClr val="000000"/>
+                </a:solidFill>
+                <a:latin typeface="맑은 고딕" panose="020B0503020000020004" pitchFamily="50" charset="-127"/>
+              </a:rPr>
+              <a:t>HSG096213	Housing units in multi-unit structures, percent, 2009-2013	</a:t>
+            </a:r>
+          </a:p>
+          <a:p>
+            <a:r>
+              <a:rPr lang="en-US" altLang="ko-KR">
+                <a:solidFill>
+                  <a:srgbClr val="000000"/>
+                </a:solidFill>
+                <a:latin typeface="맑은 고딕" panose="020B0503020000020004" pitchFamily="50" charset="-127"/>
+              </a:rPr>
+              <a:t>HSG495213	Median value of owner-occupied housing units, 2009-2013	</a:t>
+            </a:r>
+            <a:endParaRPr lang="en-US" altLang="ko-KR" dirty="0">
+              <a:solidFill>
+                <a:srgbClr val="000000"/>
+              </a:solidFill>
+              <a:latin typeface="맑은 고딕" panose="020B0503020000020004" pitchFamily="50" charset="-127"/>
+            </a:endParaRPr>
+          </a:p>
+        </p:txBody>
+      </p:sp>
+    </p:spTree>
+    <p:extLst>
+      <p:ext uri="{BB962C8B-B14F-4D97-AF65-F5344CB8AC3E}">
+        <p14:creationId xmlns:p14="http://schemas.microsoft.com/office/powerpoint/2010/main" val="1708031996"/>
+      </p:ext>
+    </p:extLst>
+  </p:cSld>
+  <p:clrMapOvr>
+    <a:masterClrMapping/>
+  </p:clrMapOvr>
+</p:sld>
+</file>
+
+<file path=ppt/slides/slide8.xml><?xml version="1.0" encoding="utf-8"?>
+<p:sld xmlns:a="http://schemas.openxmlformats.org/drawingml/2006/main" xmlns:r="http://schemas.openxmlformats.org/officeDocument/2006/relationships" xmlns:p="http://schemas.openxmlformats.org/presentationml/2006/main">
+  <p:cSld>
+    <p:spTree>
+      <p:nvGrpSpPr>
+        <p:cNvPr id="1" name=""/>
+        <p:cNvGrpSpPr/>
+        <p:nvPr/>
+      </p:nvGrpSpPr>
+      <p:grpSpPr>
+        <a:xfrm>
+          <a:off x="0" y="0"/>
+          <a:ext cx="0" cy="0"/>
+          <a:chOff x="0" y="0"/>
+          <a:chExt cx="0" cy="0"/>
+        </a:xfrm>
+      </p:grpSpPr>
+      <p:sp>
+        <p:nvSpPr>
+          <p:cNvPr id="4" name="TextBox 3">
+            <a:extLst>
+              <a:ext uri="{FF2B5EF4-FFF2-40B4-BE49-F238E27FC236}">
+                <a16:creationId xmlns:a16="http://schemas.microsoft.com/office/drawing/2014/main" id="{895916A8-7094-4E36-96C3-49122712B620}"/>
+              </a:ext>
+            </a:extLst>
+          </p:cNvPr>
+          <p:cNvSpPr txBox="1"/>
+          <p:nvPr/>
+        </p:nvSpPr>
+        <p:spPr>
+          <a:xfrm>
+            <a:off x="287867" y="220134"/>
+            <a:ext cx="3745513" cy="523220"/>
+          </a:xfrm>
+          <a:prstGeom prst="rect">
+            <a:avLst/>
+          </a:prstGeom>
+          <a:noFill/>
+        </p:spPr>
+        <p:txBody>
+          <a:bodyPr wrap="none" rtlCol="0">
+            <a:spAutoFit/>
+          </a:bodyPr>
+          <a:lstStyle/>
+          <a:p>
+            <a:r>
+              <a:rPr lang="en-US" altLang="ko-KR" sz="2800" b="1" dirty="0"/>
+              <a:t>RHI+HSG+AGE+EDU</a:t>
+            </a:r>
+            <a:endParaRPr lang="ko-KR" altLang="en-US" sz="2800" b="1" dirty="0"/>
+          </a:p>
+        </p:txBody>
+      </p:sp>
+      <p:pic>
+        <p:nvPicPr>
+          <p:cNvPr id="3" name="그림 2">
+            <a:extLst>
+              <a:ext uri="{FF2B5EF4-FFF2-40B4-BE49-F238E27FC236}">
+                <a16:creationId xmlns:a16="http://schemas.microsoft.com/office/drawing/2014/main" id="{ADD6108E-EE86-44A1-A874-E12DF69B1B3A}"/>
+              </a:ext>
+            </a:extLst>
+          </p:cNvPr>
+          <p:cNvPicPr>
+            <a:picLocks noChangeAspect="1"/>
+          </p:cNvPicPr>
+          <p:nvPr/>
+        </p:nvPicPr>
+        <p:blipFill>
+          <a:blip r:embed="rId2"/>
+          <a:stretch>
+            <a:fillRect/>
+          </a:stretch>
+        </p:blipFill>
+        <p:spPr>
+          <a:xfrm>
+            <a:off x="2353174" y="1965325"/>
+            <a:ext cx="7485652" cy="2927350"/>
           </a:xfrm>
           <a:prstGeom prst="rect">
             <a:avLst/>
@@ -4661,7 +5208,7 @@
     </p:spTree>
     <p:extLst>
       <p:ext uri="{BB962C8B-B14F-4D97-AF65-F5344CB8AC3E}">
-        <p14:creationId xmlns:p14="http://schemas.microsoft.com/office/powerpoint/2010/main" val="1964181642"/>
+        <p14:creationId xmlns:p14="http://schemas.microsoft.com/office/powerpoint/2010/main" val="2485162177"/>
       </p:ext>
     </p:extLst>
   </p:cSld>
